--- a/Apresentacao-Presentation.pptx
+++ b/Apresentacao-Presentation.pptx
@@ -12,13 +12,15 @@
     <p:sldId id="262" r:id="rId6"/>
     <p:sldId id="264" r:id="rId7"/>
     <p:sldId id="263" r:id="rId8"/>
-    <p:sldId id="265" r:id="rId9"/>
-    <p:sldId id="266" r:id="rId10"/>
-    <p:sldId id="267" r:id="rId11"/>
-    <p:sldId id="268" r:id="rId12"/>
-    <p:sldId id="269" r:id="rId13"/>
-    <p:sldId id="270" r:id="rId14"/>
-    <p:sldId id="271" r:id="rId15"/>
+    <p:sldId id="272" r:id="rId9"/>
+    <p:sldId id="265" r:id="rId10"/>
+    <p:sldId id="266" r:id="rId11"/>
+    <p:sldId id="267" r:id="rId12"/>
+    <p:sldId id="268" r:id="rId13"/>
+    <p:sldId id="269" r:id="rId14"/>
+    <p:sldId id="270" r:id="rId15"/>
+    <p:sldId id="271" r:id="rId16"/>
+    <p:sldId id="277" r:id="rId17"/>
   </p:sldIdLst>
   <p:sldSz cx="12192000" cy="6858000"/>
   <p:notesSz cx="6858000" cy="9144000"/>
@@ -351,7 +353,7 @@
           <a:p>
             <a:fld id="{05777D47-E1FD-4B20-845A-7930E08D57BF}" type="datetimeFigureOut">
               <a:rPr lang="pt-BR" smtClean="0"/>
-              <a:t>22/10/2023</a:t>
+              <a:t>24/10/2023</a:t>
             </a:fld>
             <a:endParaRPr lang="pt-BR"/>
           </a:p>
@@ -559,7 +561,7 @@
           <a:p>
             <a:fld id="{05777D47-E1FD-4B20-845A-7930E08D57BF}" type="datetimeFigureOut">
               <a:rPr lang="pt-BR" smtClean="0"/>
-              <a:t>22/10/2023</a:t>
+              <a:t>24/10/2023</a:t>
             </a:fld>
             <a:endParaRPr lang="pt-BR"/>
           </a:p>
@@ -815,7 +817,7 @@
           <a:p>
             <a:fld id="{05777D47-E1FD-4B20-845A-7930E08D57BF}" type="datetimeFigureOut">
               <a:rPr lang="pt-BR" smtClean="0"/>
-              <a:t>22/10/2023</a:t>
+              <a:t>24/10/2023</a:t>
             </a:fld>
             <a:endParaRPr lang="pt-BR"/>
           </a:p>
@@ -985,7 +987,7 @@
           <a:p>
             <a:fld id="{05777D47-E1FD-4B20-845A-7930E08D57BF}" type="datetimeFigureOut">
               <a:rPr lang="pt-BR" smtClean="0"/>
-              <a:t>22/10/2023</a:t>
+              <a:t>24/10/2023</a:t>
             </a:fld>
             <a:endParaRPr lang="pt-BR"/>
           </a:p>
@@ -1328,7 +1330,7 @@
           <a:p>
             <a:fld id="{05777D47-E1FD-4B20-845A-7930E08D57BF}" type="datetimeFigureOut">
               <a:rPr lang="pt-BR" smtClean="0"/>
-              <a:t>22/10/2023</a:t>
+              <a:t>24/10/2023</a:t>
             </a:fld>
             <a:endParaRPr lang="pt-BR"/>
           </a:p>
@@ -1603,7 +1605,7 @@
           <a:p>
             <a:fld id="{05777D47-E1FD-4B20-845A-7930E08D57BF}" type="datetimeFigureOut">
               <a:rPr lang="pt-BR" smtClean="0"/>
-              <a:t>22/10/2023</a:t>
+              <a:t>24/10/2023</a:t>
             </a:fld>
             <a:endParaRPr lang="pt-BR"/>
           </a:p>
@@ -1982,7 +1984,7 @@
           <a:p>
             <a:fld id="{05777D47-E1FD-4B20-845A-7930E08D57BF}" type="datetimeFigureOut">
               <a:rPr lang="pt-BR" smtClean="0"/>
-              <a:t>22/10/2023</a:t>
+              <a:t>24/10/2023</a:t>
             </a:fld>
             <a:endParaRPr lang="pt-BR"/>
           </a:p>
@@ -2100,7 +2102,7 @@
           <a:p>
             <a:fld id="{05777D47-E1FD-4B20-845A-7930E08D57BF}" type="datetimeFigureOut">
               <a:rPr lang="pt-BR" smtClean="0"/>
-              <a:t>22/10/2023</a:t>
+              <a:t>24/10/2023</a:t>
             </a:fld>
             <a:endParaRPr lang="pt-BR"/>
           </a:p>
@@ -2271,7 +2273,7 @@
           <a:p>
             <a:fld id="{05777D47-E1FD-4B20-845A-7930E08D57BF}" type="datetimeFigureOut">
               <a:rPr lang="pt-BR" smtClean="0"/>
-              <a:t>22/10/2023</a:t>
+              <a:t>24/10/2023</a:t>
             </a:fld>
             <a:endParaRPr lang="pt-BR"/>
           </a:p>
@@ -2625,7 +2627,7 @@
           <a:p>
             <a:fld id="{05777D47-E1FD-4B20-845A-7930E08D57BF}" type="datetimeFigureOut">
               <a:rPr lang="pt-BR" smtClean="0"/>
-              <a:t>22/10/2023</a:t>
+              <a:t>24/10/2023</a:t>
             </a:fld>
             <a:endParaRPr lang="pt-BR"/>
           </a:p>
@@ -3002,7 +3004,7 @@
           <a:p>
             <a:fld id="{05777D47-E1FD-4B20-845A-7930E08D57BF}" type="datetimeFigureOut">
               <a:rPr lang="pt-BR" smtClean="0"/>
-              <a:t>22/10/2023</a:t>
+              <a:t>24/10/2023</a:t>
             </a:fld>
             <a:endParaRPr lang="pt-BR"/>
           </a:p>
@@ -3289,7 +3291,7 @@
           <a:p>
             <a:fld id="{05777D47-E1FD-4B20-845A-7930E08D57BF}" type="datetimeFigureOut">
               <a:rPr lang="pt-BR" smtClean="0"/>
-              <a:t>22/10/2023</a:t>
+              <a:t>24/10/2023</a:t>
             </a:fld>
             <a:endParaRPr lang="pt-BR"/>
           </a:p>
@@ -4056,7 +4058,7 @@
           <p:cNvPr id="2" name="CaixaDeTexto 1">
             <a:extLst>
               <a:ext uri="{FF2B5EF4-FFF2-40B4-BE49-F238E27FC236}">
-                <a16:creationId xmlns:a16="http://schemas.microsoft.com/office/drawing/2014/main" id="{2B3A65E7-4F59-5AD9-AE72-11328C37FB6F}"/>
+                <a16:creationId xmlns:a16="http://schemas.microsoft.com/office/drawing/2014/main" id="{75B2C0FD-522D-A4E9-33A0-12D6718EEB67}"/>
               </a:ext>
             </a:extLst>
           </p:cNvPr>
@@ -4065,8 +4067,8 @@
         </p:nvSpPr>
         <p:spPr>
           <a:xfrm>
-            <a:off x="154744" y="1434904"/>
-            <a:ext cx="2201592" cy="553998"/>
+            <a:off x="1273125" y="365759"/>
+            <a:ext cx="9917723" cy="553998"/>
           </a:xfrm>
           <a:prstGeom prst="rect">
             <a:avLst/>
@@ -4083,22 +4085,23 @@
             <a:r>
               <a:rPr lang="pt-BR" sz="3000" b="1" dirty="0">
                 <a:solidFill>
-                  <a:schemeClr val="accent1">
-                    <a:lumMod val="75000"/>
-                  </a:schemeClr>
-                </a:solidFill>
-              </a:rPr>
-              <a:t>OBJECTIVE</a:t>
-            </a:r>
-          </a:p>
-        </p:txBody>
-      </p:sp>
-      <p:sp>
-        <p:nvSpPr>
-          <p:cNvPr id="3" name="Retângulo: Cantos Arredondados 2">
+                  <a:schemeClr val="tx1">
+                    <a:lumMod val="75000"/>
+                    <a:lumOff val="25000"/>
+                  </a:schemeClr>
+                </a:solidFill>
+              </a:rPr>
+              <a:t>TABLE OF CONTENT</a:t>
+            </a:r>
+          </a:p>
+        </p:txBody>
+      </p:sp>
+      <p:sp>
+        <p:nvSpPr>
+          <p:cNvPr id="4" name="Retângulo: Cantos Arredondados 3">
             <a:extLst>
               <a:ext uri="{FF2B5EF4-FFF2-40B4-BE49-F238E27FC236}">
-                <a16:creationId xmlns:a16="http://schemas.microsoft.com/office/drawing/2014/main" id="{E8A06973-2F1C-8778-5CE9-DBFF87C340C9}"/>
+                <a16:creationId xmlns:a16="http://schemas.microsoft.com/office/drawing/2014/main" id="{D493EAE3-AE03-FBAA-937B-39F715ABC509}"/>
               </a:ext>
             </a:extLst>
           </p:cNvPr>
@@ -4106,9 +4109,9 @@
           <p:nvPr/>
         </p:nvSpPr>
         <p:spPr>
-          <a:xfrm rot="5400000">
-            <a:off x="-2595491" y="3115996"/>
-            <a:ext cx="5345726" cy="154744"/>
+          <a:xfrm>
+            <a:off x="3390314" y="0"/>
+            <a:ext cx="5387926" cy="239151"/>
           </a:xfrm>
           <a:prstGeom prst="roundRect">
             <a:avLst/>
@@ -4150,10 +4153,10 @@
       </p:sp>
       <p:sp>
         <p:nvSpPr>
-          <p:cNvPr id="4" name="CaixaDeTexto 3">
+          <p:cNvPr id="5" name="CaixaDeTexto 4">
             <a:extLst>
               <a:ext uri="{FF2B5EF4-FFF2-40B4-BE49-F238E27FC236}">
-                <a16:creationId xmlns:a16="http://schemas.microsoft.com/office/drawing/2014/main" id="{14EF5572-A5BC-CD61-6EB7-7E6B4571C4BA}"/>
+                <a16:creationId xmlns:a16="http://schemas.microsoft.com/office/drawing/2014/main" id="{DABADC3B-498C-5604-447C-F37902905468}"/>
               </a:ext>
             </a:extLst>
           </p:cNvPr>
@@ -4162,8 +4165,8 @@
         </p:nvSpPr>
         <p:spPr>
           <a:xfrm>
-            <a:off x="351691" y="2762481"/>
-            <a:ext cx="9326881" cy="861774"/>
+            <a:off x="1137138" y="2377441"/>
+            <a:ext cx="9917723" cy="2785378"/>
           </a:xfrm>
           <a:prstGeom prst="rect">
             <a:avLst/>
@@ -4177,7 +4180,7 @@
           <a:lstStyle/>
           <a:p>
             <a:r>
-              <a:rPr lang="en-US" sz="2500" b="1" dirty="0">
+              <a:rPr lang="pt-BR" sz="3000" b="1" dirty="0">
                 <a:solidFill>
                   <a:schemeClr val="tx1">
                     <a:lumMod val="75000"/>
@@ -4185,12 +4188,99 @@
                   </a:schemeClr>
                 </a:solidFill>
               </a:rPr>
-              <a:t>Analyze the Closing Value of Bitcoin from 2017 to 2022, using the </a:t>
-            </a:r>
-            <a:r>
-              <a:rPr lang="en-US" sz="2500" b="1" dirty="0">
-                <a:solidFill>
-                  <a:srgbClr val="FB4C29"/>
+              <a:t>BITCOIN: </a:t>
+            </a:r>
+            <a:r>
+              <a:rPr lang="pt-BR" sz="3000" b="1" dirty="0" err="1">
+                <a:solidFill>
+                  <a:schemeClr val="tx1">
+                    <a:lumMod val="75000"/>
+                    <a:lumOff val="25000"/>
+                  </a:schemeClr>
+                </a:solidFill>
+              </a:rPr>
+              <a:t>Closing</a:t>
+            </a:r>
+            <a:r>
+              <a:rPr lang="pt-BR" sz="3000" b="1" dirty="0">
+                <a:solidFill>
+                  <a:schemeClr val="tx1">
+                    <a:lumMod val="75000"/>
+                    <a:lumOff val="25000"/>
+                  </a:schemeClr>
+                </a:solidFill>
+              </a:rPr>
+              <a:t> </a:t>
+            </a:r>
+            <a:r>
+              <a:rPr lang="pt-BR" sz="3000" b="1" dirty="0" err="1">
+                <a:solidFill>
+                  <a:schemeClr val="tx1">
+                    <a:lumMod val="75000"/>
+                    <a:lumOff val="25000"/>
+                  </a:schemeClr>
+                </a:solidFill>
+              </a:rPr>
+              <a:t>Value</a:t>
+            </a:r>
+            <a:r>
+              <a:rPr lang="pt-BR" sz="3000" b="1" dirty="0">
+                <a:solidFill>
+                  <a:schemeClr val="tx1">
+                    <a:lumMod val="75000"/>
+                    <a:lumOff val="25000"/>
+                  </a:schemeClr>
+                </a:solidFill>
+              </a:rPr>
+              <a:t> </a:t>
+            </a:r>
+            <a:r>
+              <a:rPr lang="pt-BR" sz="3000" b="1" dirty="0" err="1">
+                <a:solidFill>
+                  <a:schemeClr val="tx1">
+                    <a:lumMod val="75000"/>
+                    <a:lumOff val="25000"/>
+                  </a:schemeClr>
+                </a:solidFill>
+              </a:rPr>
+              <a:t>Analysis</a:t>
+            </a:r>
+            <a:r>
+              <a:rPr lang="pt-BR" sz="3000" b="1" dirty="0">
+                <a:solidFill>
+                  <a:schemeClr val="tx1">
+                    <a:lumMod val="75000"/>
+                    <a:lumOff val="25000"/>
+                  </a:schemeClr>
+                </a:solidFill>
+              </a:rPr>
+              <a:t> 2017 – 2022</a:t>
+            </a:r>
+          </a:p>
+          <a:p>
+            <a:endParaRPr lang="pt-BR" sz="2000" b="1" dirty="0">
+              <a:solidFill>
+                <a:schemeClr val="tx1">
+                  <a:lumMod val="75000"/>
+                  <a:lumOff val="25000"/>
+                </a:schemeClr>
+              </a:solidFill>
+            </a:endParaRPr>
+          </a:p>
+          <a:p>
+            <a:pPr marL="342900" indent="-342900">
+              <a:buClr>
+                <a:schemeClr val="tx1"/>
+              </a:buClr>
+              <a:buFont typeface="Wingdings" panose="05000000000000000000" pitchFamily="2" charset="2"/>
+              <a:buChar char="Ø"/>
+            </a:pPr>
+            <a:r>
+              <a:rPr lang="pt-BR" sz="2500" b="1" dirty="0" err="1">
+                <a:solidFill>
+                  <a:schemeClr val="accent2">
+                    <a:lumMod val="75000"/>
+                  </a:schemeClr>
                 </a:solidFill>
                 <a:hlinkClick r:id="rId2" action="ppaction://hlinksldjump">
                   <a:extLst>
@@ -4200,23 +4290,30 @@
                   </a:extLst>
                 </a:hlinkClick>
               </a:rPr>
-              <a:t>Line Chart </a:t>
-            </a:r>
-            <a:r>
-              <a:rPr lang="en-US" sz="2500" b="1" dirty="0">
-                <a:solidFill>
-                  <a:schemeClr val="tx1">
-                    <a:lumMod val="75000"/>
-                    <a:lumOff val="25000"/>
-                  </a:schemeClr>
-                </a:solidFill>
-              </a:rPr>
-              <a:t>and </a:t>
-            </a:r>
-            <a:r>
-              <a:rPr lang="en-US" sz="2500" b="1" dirty="0">
-                <a:solidFill>
-                  <a:srgbClr val="F8DC10"/>
+              <a:t>Objective</a:t>
+            </a:r>
+            <a:endParaRPr lang="pt-BR" sz="2500" b="1" dirty="0">
+              <a:solidFill>
+                <a:schemeClr val="accent2">
+                  <a:lumMod val="75000"/>
+                </a:schemeClr>
+              </a:solidFill>
+            </a:endParaRPr>
+          </a:p>
+          <a:p>
+            <a:pPr marL="342900" indent="-342900">
+              <a:buClr>
+                <a:schemeClr val="tx1"/>
+              </a:buClr>
+              <a:buFont typeface="Wingdings" panose="05000000000000000000" pitchFamily="2" charset="2"/>
+              <a:buChar char="Ø"/>
+            </a:pPr>
+            <a:r>
+              <a:rPr lang="pt-BR" sz="2500" b="1" dirty="0" err="1">
+                <a:solidFill>
+                  <a:schemeClr val="accent2">
+                    <a:lumMod val="75000"/>
+                  </a:schemeClr>
                 </a:solidFill>
                 <a:hlinkClick r:id="rId3" action="ppaction://hlinksldjump">
                   <a:extLst>
@@ -4226,23 +4323,14 @@
                   </a:extLst>
                 </a:hlinkClick>
               </a:rPr>
-              <a:t>Moving Average </a:t>
-            </a:r>
-            <a:r>
-              <a:rPr lang="en-US" sz="2500" b="1" dirty="0">
-                <a:solidFill>
-                  <a:schemeClr val="tx1">
-                    <a:lumMod val="75000"/>
-                    <a:lumOff val="25000"/>
-                  </a:schemeClr>
-                </a:solidFill>
-              </a:rPr>
-              <a:t>and </a:t>
-            </a:r>
-            <a:r>
-              <a:rPr lang="en-US" sz="2500" b="1" dirty="0">
-                <a:solidFill>
-                  <a:srgbClr val="00B050"/>
+              <a:t>Line</a:t>
+            </a:r>
+            <a:r>
+              <a:rPr lang="pt-BR" sz="2500" b="1" dirty="0">
+                <a:solidFill>
+                  <a:schemeClr val="accent2">
+                    <a:lumMod val="75000"/>
+                  </a:schemeClr>
                 </a:solidFill>
                 <a:hlinkClick r:id="rId3" action="ppaction://hlinksldjump">
                   <a:extLst>
@@ -4252,26 +4340,206 @@
                   </a:extLst>
                 </a:hlinkClick>
               </a:rPr>
-              <a:t>Tendency</a:t>
-            </a:r>
+              <a:t> Chart</a:t>
+            </a:r>
+            <a:endParaRPr lang="pt-BR" sz="2500" b="1" dirty="0">
+              <a:solidFill>
+                <a:schemeClr val="accent2">
+                  <a:lumMod val="75000"/>
+                </a:schemeClr>
+              </a:solidFill>
+            </a:endParaRPr>
+          </a:p>
+          <a:p>
+            <a:pPr marL="342900" indent="-342900">
+              <a:buClr>
+                <a:schemeClr val="tx1"/>
+              </a:buClr>
+              <a:buFont typeface="Wingdings" panose="05000000000000000000" pitchFamily="2" charset="2"/>
+              <a:buChar char="Ø"/>
+            </a:pPr>
             <a:r>
               <a:rPr lang="pt-BR" sz="2500" b="1" dirty="0">
                 <a:solidFill>
-                  <a:schemeClr val="tx1">
-                    <a:lumMod val="75000"/>
-                    <a:lumOff val="25000"/>
-                  </a:schemeClr>
-                </a:solidFill>
-              </a:rPr>
-              <a:t>.</a:t>
-            </a:r>
+                  <a:schemeClr val="accent2">
+                    <a:lumMod val="75000"/>
+                  </a:schemeClr>
+                </a:solidFill>
+                <a:hlinkClick r:id="rId4" action="ppaction://hlinksldjump">
+                  <a:extLst>
+                    <a:ext uri="{A12FA001-AC4F-418D-AE19-62706E023703}">
+                      <ahyp:hlinkClr xmlns:ahyp="http://schemas.microsoft.com/office/drawing/2018/hyperlinkcolor" val="tx"/>
+                    </a:ext>
+                  </a:extLst>
+                </a:hlinkClick>
+              </a:rPr>
+              <a:t>Moving </a:t>
+            </a:r>
+            <a:r>
+              <a:rPr lang="pt-BR" sz="2500" b="1" dirty="0" err="1">
+                <a:solidFill>
+                  <a:schemeClr val="accent2">
+                    <a:lumMod val="75000"/>
+                  </a:schemeClr>
+                </a:solidFill>
+                <a:hlinkClick r:id="rId4" action="ppaction://hlinksldjump">
+                  <a:extLst>
+                    <a:ext uri="{A12FA001-AC4F-418D-AE19-62706E023703}">
+                      <ahyp:hlinkClr xmlns:ahyp="http://schemas.microsoft.com/office/drawing/2018/hyperlinkcolor" val="tx"/>
+                    </a:ext>
+                  </a:extLst>
+                </a:hlinkClick>
+              </a:rPr>
+              <a:t>Average</a:t>
+            </a:r>
+            <a:r>
+              <a:rPr lang="pt-BR" sz="2500" b="1" dirty="0">
+                <a:solidFill>
+                  <a:schemeClr val="accent2">
+                    <a:lumMod val="75000"/>
+                  </a:schemeClr>
+                </a:solidFill>
+                <a:hlinkClick r:id="rId4" action="ppaction://hlinksldjump">
+                  <a:extLst>
+                    <a:ext uri="{A12FA001-AC4F-418D-AE19-62706E023703}">
+                      <ahyp:hlinkClr xmlns:ahyp="http://schemas.microsoft.com/office/drawing/2018/hyperlinkcolor" val="tx"/>
+                    </a:ext>
+                  </a:extLst>
+                </a:hlinkClick>
+              </a:rPr>
+              <a:t> </a:t>
+            </a:r>
+            <a:r>
+              <a:rPr lang="pt-BR" sz="2500" b="1" dirty="0" err="1">
+                <a:solidFill>
+                  <a:schemeClr val="accent2">
+                    <a:lumMod val="75000"/>
+                  </a:schemeClr>
+                </a:solidFill>
+                <a:hlinkClick r:id="rId4" action="ppaction://hlinksldjump">
+                  <a:extLst>
+                    <a:ext uri="{A12FA001-AC4F-418D-AE19-62706E023703}">
+                      <ahyp:hlinkClr xmlns:ahyp="http://schemas.microsoft.com/office/drawing/2018/hyperlinkcolor" val="tx"/>
+                    </a:ext>
+                  </a:extLst>
+                </a:hlinkClick>
+              </a:rPr>
+              <a:t>and</a:t>
+            </a:r>
+            <a:r>
+              <a:rPr lang="pt-BR" sz="2500" b="1" dirty="0">
+                <a:solidFill>
+                  <a:schemeClr val="accent2">
+                    <a:lumMod val="75000"/>
+                  </a:schemeClr>
+                </a:solidFill>
+                <a:hlinkClick r:id="rId4" action="ppaction://hlinksldjump">
+                  <a:extLst>
+                    <a:ext uri="{A12FA001-AC4F-418D-AE19-62706E023703}">
+                      <ahyp:hlinkClr xmlns:ahyp="http://schemas.microsoft.com/office/drawing/2018/hyperlinkcolor" val="tx"/>
+                    </a:ext>
+                  </a:extLst>
+                </a:hlinkClick>
+              </a:rPr>
+              <a:t> </a:t>
+            </a:r>
+            <a:r>
+              <a:rPr lang="pt-BR" sz="2500" b="1" dirty="0" err="1">
+                <a:solidFill>
+                  <a:schemeClr val="accent2">
+                    <a:lumMod val="75000"/>
+                  </a:schemeClr>
+                </a:solidFill>
+                <a:hlinkClick r:id="rId4" action="ppaction://hlinksldjump">
+                  <a:extLst>
+                    <a:ext uri="{A12FA001-AC4F-418D-AE19-62706E023703}">
+                      <ahyp:hlinkClr xmlns:ahyp="http://schemas.microsoft.com/office/drawing/2018/hyperlinkcolor" val="tx"/>
+                    </a:ext>
+                  </a:extLst>
+                </a:hlinkClick>
+              </a:rPr>
+              <a:t>Tendecy</a:t>
+            </a:r>
+            <a:endParaRPr lang="pt-BR" sz="2500" b="1" dirty="0">
+              <a:solidFill>
+                <a:schemeClr val="accent2">
+                  <a:lumMod val="75000"/>
+                </a:schemeClr>
+              </a:solidFill>
+            </a:endParaRPr>
+          </a:p>
+          <a:p>
+            <a:pPr marL="342900" indent="-342900">
+              <a:buClr>
+                <a:schemeClr val="tx1"/>
+              </a:buClr>
+              <a:buFont typeface="Wingdings" panose="05000000000000000000" pitchFamily="2" charset="2"/>
+              <a:buChar char="Ø"/>
+            </a:pPr>
+            <a:r>
+              <a:rPr lang="pt-BR" sz="2500" b="1" dirty="0" err="1">
+                <a:solidFill>
+                  <a:schemeClr val="accent2">
+                    <a:lumMod val="75000"/>
+                  </a:schemeClr>
+                </a:solidFill>
+                <a:hlinkClick r:id="rId5" action="ppaction://hlinksldjump">
+                  <a:extLst>
+                    <a:ext uri="{A12FA001-AC4F-418D-AE19-62706E023703}">
+                      <ahyp:hlinkClr xmlns:ahyp="http://schemas.microsoft.com/office/drawing/2018/hyperlinkcolor" val="tx"/>
+                    </a:ext>
+                  </a:extLst>
+                </a:hlinkClick>
+              </a:rPr>
+              <a:t>Conclusion</a:t>
+            </a:r>
+            <a:endParaRPr lang="pt-BR" sz="2500" b="1" dirty="0">
+              <a:solidFill>
+                <a:schemeClr val="accent2">
+                  <a:lumMod val="75000"/>
+                </a:schemeClr>
+              </a:solidFill>
+            </a:endParaRPr>
+          </a:p>
+          <a:p>
+            <a:pPr marL="342900" indent="-342900">
+              <a:buClr>
+                <a:schemeClr val="tx1"/>
+              </a:buClr>
+              <a:buFont typeface="Wingdings" panose="05000000000000000000" pitchFamily="2" charset="2"/>
+              <a:buChar char="Ø"/>
+            </a:pPr>
+            <a:r>
+              <a:rPr lang="pt-BR" sz="2500" b="1" dirty="0" err="1">
+                <a:solidFill>
+                  <a:schemeClr val="accent1">
+                    <a:lumMod val="75000"/>
+                  </a:schemeClr>
+                </a:solidFill>
+                <a:hlinkClick r:id="rId6" action="ppaction://hlinksldjump">
+                  <a:extLst>
+                    <a:ext uri="{A12FA001-AC4F-418D-AE19-62706E023703}">
+                      <ahyp:hlinkClr xmlns:ahyp="http://schemas.microsoft.com/office/drawing/2018/hyperlinkcolor" val="tx"/>
+                    </a:ext>
+                  </a:extLst>
+                </a:hlinkClick>
+              </a:rPr>
+              <a:t>Observation</a:t>
+            </a:r>
+            <a:endParaRPr lang="pt-BR" sz="2500" b="1" dirty="0">
+              <a:solidFill>
+                <a:schemeClr val="accent1">
+                  <a:lumMod val="75000"/>
+                </a:schemeClr>
+              </a:solidFill>
+            </a:endParaRPr>
           </a:p>
         </p:txBody>
       </p:sp>
     </p:spTree>
     <p:extLst>
       <p:ext uri="{BB962C8B-B14F-4D97-AF65-F5344CB8AC3E}">
-        <p14:creationId xmlns:p14="http://schemas.microsoft.com/office/powerpoint/2010/main" val="659908080"/>
+        <p14:creationId xmlns:p14="http://schemas.microsoft.com/office/powerpoint/2010/main" val="3807428423"/>
       </p:ext>
     </p:extLst>
   </p:cSld>
@@ -4300,6 +4568,253 @@
       </p:grpSpPr>
       <p:sp>
         <p:nvSpPr>
+          <p:cNvPr id="2" name="CaixaDeTexto 1">
+            <a:extLst>
+              <a:ext uri="{FF2B5EF4-FFF2-40B4-BE49-F238E27FC236}">
+                <a16:creationId xmlns:a16="http://schemas.microsoft.com/office/drawing/2014/main" id="{2B3A65E7-4F59-5AD9-AE72-11328C37FB6F}"/>
+              </a:ext>
+            </a:extLst>
+          </p:cNvPr>
+          <p:cNvSpPr txBox="1"/>
+          <p:nvPr/>
+        </p:nvSpPr>
+        <p:spPr>
+          <a:xfrm>
+            <a:off x="154744" y="1434904"/>
+            <a:ext cx="2201592" cy="553998"/>
+          </a:xfrm>
+          <a:prstGeom prst="rect">
+            <a:avLst/>
+          </a:prstGeom>
+          <a:noFill/>
+        </p:spPr>
+        <p:txBody>
+          <a:bodyPr wrap="square" rtlCol="0">
+            <a:spAutoFit/>
+          </a:bodyPr>
+          <a:lstStyle/>
+          <a:p>
+            <a:pPr algn="ctr"/>
+            <a:r>
+              <a:rPr lang="pt-BR" sz="3000" b="1" dirty="0">
+                <a:solidFill>
+                  <a:schemeClr val="accent1">
+                    <a:lumMod val="75000"/>
+                  </a:schemeClr>
+                </a:solidFill>
+              </a:rPr>
+              <a:t>OBJECTIVE</a:t>
+            </a:r>
+          </a:p>
+        </p:txBody>
+      </p:sp>
+      <p:sp>
+        <p:nvSpPr>
+          <p:cNvPr id="3" name="Retângulo: Cantos Arredondados 2">
+            <a:extLst>
+              <a:ext uri="{FF2B5EF4-FFF2-40B4-BE49-F238E27FC236}">
+                <a16:creationId xmlns:a16="http://schemas.microsoft.com/office/drawing/2014/main" id="{E8A06973-2F1C-8778-5CE9-DBFF87C340C9}"/>
+              </a:ext>
+            </a:extLst>
+          </p:cNvPr>
+          <p:cNvSpPr/>
+          <p:nvPr/>
+        </p:nvSpPr>
+        <p:spPr>
+          <a:xfrm rot="5400000">
+            <a:off x="-2595491" y="3115996"/>
+            <a:ext cx="5345726" cy="154744"/>
+          </a:xfrm>
+          <a:prstGeom prst="roundRect">
+            <a:avLst/>
+          </a:prstGeom>
+          <a:solidFill>
+            <a:schemeClr val="accent3">
+              <a:lumMod val="60000"/>
+              <a:lumOff val="40000"/>
+            </a:schemeClr>
+          </a:solidFill>
+          <a:ln>
+            <a:noFill/>
+          </a:ln>
+        </p:spPr>
+        <p:style>
+          <a:lnRef idx="2">
+            <a:schemeClr val="accent1">
+              <a:shade val="15000"/>
+            </a:schemeClr>
+          </a:lnRef>
+          <a:fillRef idx="1">
+            <a:schemeClr val="accent1"/>
+          </a:fillRef>
+          <a:effectRef idx="0">
+            <a:schemeClr val="accent1"/>
+          </a:effectRef>
+          <a:fontRef idx="minor">
+            <a:schemeClr val="lt1"/>
+          </a:fontRef>
+        </p:style>
+        <p:txBody>
+          <a:bodyPr rtlCol="0" anchor="ctr"/>
+          <a:lstStyle/>
+          <a:p>
+            <a:pPr algn="ctr"/>
+            <a:endParaRPr lang="pt-BR"/>
+          </a:p>
+        </p:txBody>
+      </p:sp>
+      <p:sp>
+        <p:nvSpPr>
+          <p:cNvPr id="4" name="CaixaDeTexto 3">
+            <a:extLst>
+              <a:ext uri="{FF2B5EF4-FFF2-40B4-BE49-F238E27FC236}">
+                <a16:creationId xmlns:a16="http://schemas.microsoft.com/office/drawing/2014/main" id="{14EF5572-A5BC-CD61-6EB7-7E6B4571C4BA}"/>
+              </a:ext>
+            </a:extLst>
+          </p:cNvPr>
+          <p:cNvSpPr txBox="1"/>
+          <p:nvPr/>
+        </p:nvSpPr>
+        <p:spPr>
+          <a:xfrm>
+            <a:off x="351691" y="2762481"/>
+            <a:ext cx="9326881" cy="861774"/>
+          </a:xfrm>
+          <a:prstGeom prst="rect">
+            <a:avLst/>
+          </a:prstGeom>
+          <a:noFill/>
+        </p:spPr>
+        <p:txBody>
+          <a:bodyPr wrap="square" rtlCol="0">
+            <a:spAutoFit/>
+          </a:bodyPr>
+          <a:lstStyle/>
+          <a:p>
+            <a:r>
+              <a:rPr lang="en-US" sz="2500" b="1" dirty="0">
+                <a:solidFill>
+                  <a:schemeClr val="tx1">
+                    <a:lumMod val="75000"/>
+                    <a:lumOff val="25000"/>
+                  </a:schemeClr>
+                </a:solidFill>
+              </a:rPr>
+              <a:t>Analyze the Closing Value of Bitcoin from 2017 to 2022, using the </a:t>
+            </a:r>
+            <a:r>
+              <a:rPr lang="en-US" sz="2500" b="1" dirty="0">
+                <a:solidFill>
+                  <a:srgbClr val="FB4C29"/>
+                </a:solidFill>
+                <a:hlinkClick r:id="rId2" action="ppaction://hlinksldjump">
+                  <a:extLst>
+                    <a:ext uri="{A12FA001-AC4F-418D-AE19-62706E023703}">
+                      <ahyp:hlinkClr xmlns:ahyp="http://schemas.microsoft.com/office/drawing/2018/hyperlinkcolor" val="tx"/>
+                    </a:ext>
+                  </a:extLst>
+                </a:hlinkClick>
+              </a:rPr>
+              <a:t>Line Chart </a:t>
+            </a:r>
+            <a:r>
+              <a:rPr lang="en-US" sz="2500" b="1" dirty="0">
+                <a:solidFill>
+                  <a:schemeClr val="tx1">
+                    <a:lumMod val="75000"/>
+                    <a:lumOff val="25000"/>
+                  </a:schemeClr>
+                </a:solidFill>
+              </a:rPr>
+              <a:t>and </a:t>
+            </a:r>
+            <a:r>
+              <a:rPr lang="en-US" sz="2500" b="1" dirty="0">
+                <a:solidFill>
+                  <a:srgbClr val="F8DC10"/>
+                </a:solidFill>
+                <a:hlinkClick r:id="rId3" action="ppaction://hlinksldjump">
+                  <a:extLst>
+                    <a:ext uri="{A12FA001-AC4F-418D-AE19-62706E023703}">
+                      <ahyp:hlinkClr xmlns:ahyp="http://schemas.microsoft.com/office/drawing/2018/hyperlinkcolor" val="tx"/>
+                    </a:ext>
+                  </a:extLst>
+                </a:hlinkClick>
+              </a:rPr>
+              <a:t>Moving Average </a:t>
+            </a:r>
+            <a:r>
+              <a:rPr lang="en-US" sz="2500" b="1" dirty="0">
+                <a:solidFill>
+                  <a:schemeClr val="tx1">
+                    <a:lumMod val="75000"/>
+                    <a:lumOff val="25000"/>
+                  </a:schemeClr>
+                </a:solidFill>
+              </a:rPr>
+              <a:t>and </a:t>
+            </a:r>
+            <a:r>
+              <a:rPr lang="en-US" sz="2500" b="1" dirty="0">
+                <a:solidFill>
+                  <a:srgbClr val="00B050"/>
+                </a:solidFill>
+                <a:hlinkClick r:id="rId3" action="ppaction://hlinksldjump">
+                  <a:extLst>
+                    <a:ext uri="{A12FA001-AC4F-418D-AE19-62706E023703}">
+                      <ahyp:hlinkClr xmlns:ahyp="http://schemas.microsoft.com/office/drawing/2018/hyperlinkcolor" val="tx"/>
+                    </a:ext>
+                  </a:extLst>
+                </a:hlinkClick>
+              </a:rPr>
+              <a:t>Tendency</a:t>
+            </a:r>
+            <a:r>
+              <a:rPr lang="pt-BR" sz="2500" b="1" dirty="0">
+                <a:solidFill>
+                  <a:schemeClr val="tx1">
+                    <a:lumMod val="75000"/>
+                    <a:lumOff val="25000"/>
+                  </a:schemeClr>
+                </a:solidFill>
+              </a:rPr>
+              <a:t>.</a:t>
+            </a:r>
+          </a:p>
+        </p:txBody>
+      </p:sp>
+    </p:spTree>
+    <p:extLst>
+      <p:ext uri="{BB962C8B-B14F-4D97-AF65-F5344CB8AC3E}">
+        <p14:creationId xmlns:p14="http://schemas.microsoft.com/office/powerpoint/2010/main" val="659908080"/>
+      </p:ext>
+    </p:extLst>
+  </p:cSld>
+  <p:clrMapOvr>
+    <a:masterClrMapping/>
+  </p:clrMapOvr>
+</p:sld>
+</file>
+
+<file path=ppt/slides/slide12.xml><?xml version="1.0" encoding="utf-8"?>
+<p:sld xmlns:a="http://schemas.openxmlformats.org/drawingml/2006/main" xmlns:r="http://schemas.openxmlformats.org/officeDocument/2006/relationships" xmlns:p="http://schemas.openxmlformats.org/presentationml/2006/main">
+  <p:cSld>
+    <p:spTree>
+      <p:nvGrpSpPr>
+        <p:cNvPr id="1" name=""/>
+        <p:cNvGrpSpPr/>
+        <p:nvPr/>
+      </p:nvGrpSpPr>
+      <p:grpSpPr>
+        <a:xfrm>
+          <a:off x="0" y="0"/>
+          <a:ext cx="0" cy="0"/>
+          <a:chOff x="0" y="0"/>
+          <a:chExt cx="0" cy="0"/>
+        </a:xfrm>
+      </p:grpSpPr>
+      <p:sp>
+        <p:nvSpPr>
           <p:cNvPr id="4" name="Retângulo 3">
             <a:extLst>
               <a:ext uri="{FF2B5EF4-FFF2-40B4-BE49-F238E27FC236}">
@@ -4665,7 +5180,7 @@
 </p:sld>
 </file>
 
-<file path=ppt/slides/slide12.xml><?xml version="1.0" encoding="utf-8"?>
+<file path=ppt/slides/slide13.xml><?xml version="1.0" encoding="utf-8"?>
 <p:sld xmlns:a="http://schemas.openxmlformats.org/drawingml/2006/main" xmlns:r="http://schemas.openxmlformats.org/officeDocument/2006/relationships" xmlns:p="http://schemas.openxmlformats.org/presentationml/2006/main">
   <p:cSld>
     <p:spTree>
@@ -5193,7 +5708,7 @@
 </p:sld>
 </file>
 
-<file path=ppt/slides/slide13.xml><?xml version="1.0" encoding="utf-8"?>
+<file path=ppt/slides/slide14.xml><?xml version="1.0" encoding="utf-8"?>
 <p:sld xmlns:a="http://schemas.openxmlformats.org/drawingml/2006/main" xmlns:r="http://schemas.openxmlformats.org/officeDocument/2006/relationships" xmlns:p="http://schemas.openxmlformats.org/presentationml/2006/main">
   <p:cSld>
     <p:bg>
@@ -5429,7 +5944,7 @@
 </p:sld>
 </file>
 
-<file path=ppt/slides/slide14.xml><?xml version="1.0" encoding="utf-8"?>
+<file path=ppt/slides/slide15.xml><?xml version="1.0" encoding="utf-8"?>
 <p:sld xmlns:a="http://schemas.openxmlformats.org/drawingml/2006/main" xmlns:r="http://schemas.openxmlformats.org/officeDocument/2006/relationships" xmlns:p="http://schemas.openxmlformats.org/presentationml/2006/main">
   <p:cSld>
     <p:spTree>
@@ -5960,6 +6475,181 @@
     <p:extLst>
       <p:ext uri="{BB962C8B-B14F-4D97-AF65-F5344CB8AC3E}">
         <p14:creationId xmlns:p14="http://schemas.microsoft.com/office/powerpoint/2010/main" val="121594297"/>
+      </p:ext>
+    </p:extLst>
+  </p:cSld>
+  <p:clrMapOvr>
+    <a:masterClrMapping/>
+  </p:clrMapOvr>
+</p:sld>
+</file>
+
+<file path=ppt/slides/slide16.xml><?xml version="1.0" encoding="utf-8"?>
+<p:sld xmlns:a="http://schemas.openxmlformats.org/drawingml/2006/main" xmlns:r="http://schemas.openxmlformats.org/officeDocument/2006/relationships" xmlns:p="http://schemas.openxmlformats.org/presentationml/2006/main">
+  <p:cSld>
+    <p:spTree>
+      <p:nvGrpSpPr>
+        <p:cNvPr id="1" name=""/>
+        <p:cNvGrpSpPr/>
+        <p:nvPr/>
+      </p:nvGrpSpPr>
+      <p:grpSpPr>
+        <a:xfrm>
+          <a:off x="0" y="0"/>
+          <a:ext cx="0" cy="0"/>
+          <a:chOff x="0" y="0"/>
+          <a:chExt cx="0" cy="0"/>
+        </a:xfrm>
+      </p:grpSpPr>
+      <p:sp>
+        <p:nvSpPr>
+          <p:cNvPr id="2" name="CaixaDeTexto 1">
+            <a:extLst>
+              <a:ext uri="{FF2B5EF4-FFF2-40B4-BE49-F238E27FC236}">
+                <a16:creationId xmlns:a16="http://schemas.microsoft.com/office/drawing/2014/main" id="{2B3A65E7-4F59-5AD9-AE72-11328C37FB6F}"/>
+              </a:ext>
+            </a:extLst>
+          </p:cNvPr>
+          <p:cNvSpPr txBox="1"/>
+          <p:nvPr/>
+        </p:nvSpPr>
+        <p:spPr>
+          <a:xfrm>
+            <a:off x="351690" y="590840"/>
+            <a:ext cx="2504051" cy="553998"/>
+          </a:xfrm>
+          <a:prstGeom prst="rect">
+            <a:avLst/>
+          </a:prstGeom>
+          <a:noFill/>
+        </p:spPr>
+        <p:txBody>
+          <a:bodyPr wrap="square" rtlCol="0">
+            <a:spAutoFit/>
+          </a:bodyPr>
+          <a:lstStyle/>
+          <a:p>
+            <a:pPr algn="ctr"/>
+            <a:r>
+              <a:rPr lang="pt-BR" sz="3000" b="1" dirty="0">
+                <a:solidFill>
+                  <a:schemeClr val="accent1">
+                    <a:lumMod val="75000"/>
+                  </a:schemeClr>
+                </a:solidFill>
+              </a:rPr>
+              <a:t>OBSERVATION</a:t>
+            </a:r>
+          </a:p>
+        </p:txBody>
+      </p:sp>
+      <p:sp>
+        <p:nvSpPr>
+          <p:cNvPr id="3" name="Retângulo: Cantos Arredondados 2">
+            <a:extLst>
+              <a:ext uri="{FF2B5EF4-FFF2-40B4-BE49-F238E27FC236}">
+                <a16:creationId xmlns:a16="http://schemas.microsoft.com/office/drawing/2014/main" id="{E8A06973-2F1C-8778-5CE9-DBFF87C340C9}"/>
+              </a:ext>
+            </a:extLst>
+          </p:cNvPr>
+          <p:cNvSpPr/>
+          <p:nvPr/>
+        </p:nvSpPr>
+        <p:spPr>
+          <a:xfrm rot="5400000">
+            <a:off x="-2595491" y="3115996"/>
+            <a:ext cx="5345726" cy="154744"/>
+          </a:xfrm>
+          <a:prstGeom prst="roundRect">
+            <a:avLst/>
+          </a:prstGeom>
+          <a:solidFill>
+            <a:schemeClr val="accent3">
+              <a:lumMod val="60000"/>
+              <a:lumOff val="40000"/>
+            </a:schemeClr>
+          </a:solidFill>
+          <a:ln>
+            <a:noFill/>
+          </a:ln>
+        </p:spPr>
+        <p:style>
+          <a:lnRef idx="2">
+            <a:schemeClr val="accent1">
+              <a:shade val="15000"/>
+            </a:schemeClr>
+          </a:lnRef>
+          <a:fillRef idx="1">
+            <a:schemeClr val="accent1"/>
+          </a:fillRef>
+          <a:effectRef idx="0">
+            <a:schemeClr val="accent1"/>
+          </a:effectRef>
+          <a:fontRef idx="minor">
+            <a:schemeClr val="lt1"/>
+          </a:fontRef>
+        </p:style>
+        <p:txBody>
+          <a:bodyPr rtlCol="0" anchor="ctr"/>
+          <a:lstStyle/>
+          <a:p>
+            <a:pPr algn="ctr"/>
+            <a:endParaRPr lang="pt-BR"/>
+          </a:p>
+        </p:txBody>
+      </p:sp>
+      <p:sp>
+        <p:nvSpPr>
+          <p:cNvPr id="11" name="CaixaDeTexto 10">
+            <a:extLst>
+              <a:ext uri="{FF2B5EF4-FFF2-40B4-BE49-F238E27FC236}">
+                <a16:creationId xmlns:a16="http://schemas.microsoft.com/office/drawing/2014/main" id="{8D548915-AB31-A13C-EFBF-6FC1A38F79C0}"/>
+              </a:ext>
+            </a:extLst>
+          </p:cNvPr>
+          <p:cNvSpPr txBox="1"/>
+          <p:nvPr/>
+        </p:nvSpPr>
+        <p:spPr>
+          <a:xfrm>
+            <a:off x="351691" y="2252452"/>
+            <a:ext cx="10030265" cy="2400657"/>
+          </a:xfrm>
+          <a:prstGeom prst="rect">
+            <a:avLst/>
+          </a:prstGeom>
+          <a:noFill/>
+        </p:spPr>
+        <p:txBody>
+          <a:bodyPr wrap="square" rtlCol="0">
+            <a:spAutoFit/>
+          </a:bodyPr>
+          <a:lstStyle/>
+          <a:p>
+            <a:pPr>
+              <a:buClr>
+                <a:schemeClr val="tx1"/>
+              </a:buClr>
+            </a:pPr>
+            <a:r>
+              <a:rPr lang="en-US" sz="2500" b="1" dirty="0">
+                <a:solidFill>
+                  <a:schemeClr val="tx1">
+                    <a:lumMod val="75000"/>
+                    <a:lumOff val="25000"/>
+                  </a:schemeClr>
+                </a:solidFill>
+              </a:rPr>
+              <a:t>The Presentation was focused on explaining more about the Project to potential Recruiters and colleagues in the IT area, which is why it has a larger amount of text and some technical words. The same presentation would be designed differently to be presented to stakeholders within the business environment, using the text only as support and small explanations and focusing more on the oral explanation.</a:t>
+            </a:r>
+            <a:endParaRPr lang="pt-BR" dirty="0"/>
+          </a:p>
+        </p:txBody>
+      </p:sp>
+    </p:spTree>
+    <p:extLst>
+      <p:ext uri="{BB962C8B-B14F-4D97-AF65-F5344CB8AC3E}">
+        <p14:creationId xmlns:p14="http://schemas.microsoft.com/office/powerpoint/2010/main" val="2433534272"/>
       </p:ext>
     </p:extLst>
   </p:cSld>
@@ -6099,7 +6789,7 @@
         <p:spPr>
           <a:xfrm>
             <a:off x="1137138" y="2377441"/>
-            <a:ext cx="9917723" cy="2400657"/>
+            <a:ext cx="9917723" cy="2785378"/>
           </a:xfrm>
           <a:prstGeom prst="rect">
             <a:avLst/>
@@ -6261,6 +6951,39 @@
             <a:endParaRPr lang="pt-BR" sz="2500" b="1" dirty="0">
               <a:solidFill>
                 <a:schemeClr val="accent2">
+                  <a:lumMod val="75000"/>
+                </a:schemeClr>
+              </a:solidFill>
+            </a:endParaRPr>
+          </a:p>
+          <a:p>
+            <a:pPr marL="342900" indent="-342900">
+              <a:buClr>
+                <a:schemeClr val="tx1"/>
+              </a:buClr>
+              <a:buFont typeface="Wingdings" panose="05000000000000000000" pitchFamily="2" charset="2"/>
+              <a:buChar char="Ø"/>
+            </a:pPr>
+            <a:r>
+              <a:rPr lang="pt-BR" sz="2500" b="1" dirty="0">
+                <a:solidFill>
+                  <a:schemeClr val="accent1">
+                    <a:lumMod val="75000"/>
+                  </a:schemeClr>
+                </a:solidFill>
+                <a:hlinkClick r:id="rId6" action="ppaction://hlinksldjump">
+                  <a:extLst>
+                    <a:ext uri="{A12FA001-AC4F-418D-AE19-62706E023703}">
+                      <ahyp:hlinkClr xmlns:ahyp="http://schemas.microsoft.com/office/drawing/2018/hyperlinkcolor" val="tx"/>
+                    </a:ext>
+                  </a:extLst>
+                </a:hlinkClick>
+              </a:rPr>
+              <a:t>Observação</a:t>
+            </a:r>
+            <a:endParaRPr lang="pt-BR" sz="2500" b="1" dirty="0">
+              <a:solidFill>
+                <a:schemeClr val="accent1">
                   <a:lumMod val="75000"/>
                 </a:schemeClr>
               </a:solidFill>
@@ -8209,237 +8932,10 @@
       </p:grpSpPr>
       <p:sp>
         <p:nvSpPr>
-          <p:cNvPr id="2" name="Título 1">
+          <p:cNvPr id="2" name="CaixaDeTexto 1">
             <a:extLst>
               <a:ext uri="{FF2B5EF4-FFF2-40B4-BE49-F238E27FC236}">
-                <a16:creationId xmlns:a16="http://schemas.microsoft.com/office/drawing/2014/main" id="{05857D45-5CD7-79C3-0770-7781F889117E}"/>
-              </a:ext>
-            </a:extLst>
-          </p:cNvPr>
-          <p:cNvSpPr>
-            <a:spLocks noGrp="1"/>
-          </p:cNvSpPr>
-          <p:nvPr>
-            <p:ph type="ctrTitle"/>
-          </p:nvPr>
-        </p:nvSpPr>
-        <p:spPr>
-          <a:xfrm>
-            <a:off x="928469" y="2537460"/>
-            <a:ext cx="8932984" cy="1783080"/>
-          </a:xfrm>
-        </p:spPr>
-        <p:txBody>
-          <a:bodyPr>
-            <a:normAutofit/>
-          </a:bodyPr>
-          <a:lstStyle/>
-          <a:p>
-            <a:r>
-              <a:rPr lang="pt-BR" sz="6000" b="1" dirty="0">
-                <a:solidFill>
-                  <a:schemeClr val="accent1">
-                    <a:lumMod val="75000"/>
-                  </a:schemeClr>
-                </a:solidFill>
-              </a:rPr>
-              <a:t>BITCOIN</a:t>
-            </a:r>
-            <a:r>
-              <a:rPr lang="pt-BR" sz="6000" dirty="0">
-                <a:solidFill>
-                  <a:schemeClr val="accent1">
-                    <a:lumMod val="75000"/>
-                  </a:schemeClr>
-                </a:solidFill>
-              </a:rPr>
-              <a:t>: </a:t>
-            </a:r>
-            <a:r>
-              <a:rPr lang="pt-BR" sz="6000" dirty="0" err="1">
-                <a:solidFill>
-                  <a:schemeClr val="accent1">
-                    <a:lumMod val="75000"/>
-                  </a:schemeClr>
-                </a:solidFill>
-              </a:rPr>
-              <a:t>Closing</a:t>
-            </a:r>
-            <a:r>
-              <a:rPr lang="pt-BR" sz="6000" dirty="0">
-                <a:solidFill>
-                  <a:schemeClr val="accent1">
-                    <a:lumMod val="75000"/>
-                  </a:schemeClr>
-                </a:solidFill>
-              </a:rPr>
-              <a:t> </a:t>
-            </a:r>
-            <a:r>
-              <a:rPr lang="pt-BR" sz="6000" dirty="0" err="1">
-                <a:solidFill>
-                  <a:schemeClr val="accent1">
-                    <a:lumMod val="75000"/>
-                  </a:schemeClr>
-                </a:solidFill>
-              </a:rPr>
-              <a:t>Value</a:t>
-            </a:r>
-            <a:r>
-              <a:rPr lang="pt-BR" sz="6000" dirty="0">
-                <a:solidFill>
-                  <a:schemeClr val="accent1">
-                    <a:lumMod val="75000"/>
-                  </a:schemeClr>
-                </a:solidFill>
-              </a:rPr>
-              <a:t> </a:t>
-            </a:r>
-            <a:r>
-              <a:rPr lang="pt-BR" sz="6000" dirty="0" err="1">
-                <a:solidFill>
-                  <a:schemeClr val="accent1">
-                    <a:lumMod val="75000"/>
-                  </a:schemeClr>
-                </a:solidFill>
-              </a:rPr>
-              <a:t>Analysis</a:t>
-            </a:r>
-            <a:r>
-              <a:rPr lang="pt-BR" sz="6000" dirty="0">
-                <a:solidFill>
-                  <a:schemeClr val="accent1">
-                    <a:lumMod val="75000"/>
-                  </a:schemeClr>
-                </a:solidFill>
-              </a:rPr>
-              <a:t> 2017 - 2022</a:t>
-            </a:r>
-          </a:p>
-        </p:txBody>
-      </p:sp>
-      <p:sp>
-        <p:nvSpPr>
-          <p:cNvPr id="3" name="Subtítulo 2">
-            <a:extLst>
-              <a:ext uri="{FF2B5EF4-FFF2-40B4-BE49-F238E27FC236}">
-                <a16:creationId xmlns:a16="http://schemas.microsoft.com/office/drawing/2014/main" id="{55AF1A0C-E93F-EEA1-6A64-B186D6A4F1A6}"/>
-              </a:ext>
-            </a:extLst>
-          </p:cNvPr>
-          <p:cNvSpPr>
-            <a:spLocks noGrp="1"/>
-          </p:cNvSpPr>
-          <p:nvPr>
-            <p:ph type="subTitle" idx="1"/>
-          </p:nvPr>
-        </p:nvSpPr>
-        <p:spPr>
-          <a:xfrm>
-            <a:off x="928469" y="4525640"/>
-            <a:ext cx="10058400" cy="1143000"/>
-          </a:xfrm>
-        </p:spPr>
-        <p:txBody>
-          <a:bodyPr/>
-          <a:lstStyle/>
-          <a:p>
-            <a:r>
-              <a:rPr lang="pt-BR" b="1" dirty="0">
-                <a:solidFill>
-                  <a:schemeClr val="tx1">
-                    <a:lumMod val="75000"/>
-                    <a:lumOff val="25000"/>
-                  </a:schemeClr>
-                </a:solidFill>
-              </a:rPr>
-              <a:t>PRESENTED BY</a:t>
-            </a:r>
-            <a:r>
-              <a:rPr lang="pt-BR" dirty="0">
-                <a:solidFill>
-                  <a:schemeClr val="tx1">
-                    <a:lumMod val="75000"/>
-                    <a:lumOff val="25000"/>
-                  </a:schemeClr>
-                </a:solidFill>
-              </a:rPr>
-              <a:t>: Riquelmo </a:t>
-            </a:r>
-            <a:r>
-              <a:rPr lang="pt-BR" dirty="0" err="1">
-                <a:solidFill>
-                  <a:schemeClr val="tx1">
-                    <a:lumMod val="75000"/>
-                    <a:lumOff val="25000"/>
-                  </a:schemeClr>
-                </a:solidFill>
-              </a:rPr>
-              <a:t>ferreira</a:t>
-            </a:r>
-            <a:endParaRPr lang="pt-BR" dirty="0">
-              <a:solidFill>
-                <a:schemeClr val="tx1">
-                  <a:lumMod val="75000"/>
-                  <a:lumOff val="25000"/>
-                </a:schemeClr>
-              </a:solidFill>
-            </a:endParaRPr>
-          </a:p>
-          <a:p>
-            <a:r>
-              <a:rPr lang="pt-BR" b="1" dirty="0">
-                <a:solidFill>
-                  <a:schemeClr val="tx1">
-                    <a:lumMod val="75000"/>
-                    <a:lumOff val="25000"/>
-                  </a:schemeClr>
-                </a:solidFill>
-              </a:rPr>
-              <a:t>LAST UPDATED</a:t>
-            </a:r>
-            <a:r>
-              <a:rPr lang="pt-BR" dirty="0">
-                <a:solidFill>
-                  <a:schemeClr val="tx1">
-                    <a:lumMod val="75000"/>
-                    <a:lumOff val="25000"/>
-                  </a:schemeClr>
-                </a:solidFill>
-              </a:rPr>
-              <a:t>: </a:t>
-            </a:r>
-            <a:r>
-              <a:rPr lang="pt-BR" dirty="0" err="1">
-                <a:solidFill>
-                  <a:schemeClr val="tx1">
-                    <a:lumMod val="75000"/>
-                    <a:lumOff val="25000"/>
-                  </a:schemeClr>
-                </a:solidFill>
-              </a:rPr>
-              <a:t>October</a:t>
-            </a:r>
-            <a:r>
-              <a:rPr lang="pt-BR" dirty="0">
-                <a:solidFill>
-                  <a:schemeClr val="tx1">
-                    <a:lumMod val="75000"/>
-                    <a:lumOff val="25000"/>
-                  </a:schemeClr>
-                </a:solidFill>
-              </a:rPr>
-              <a:t> 22nd, 2023</a:t>
-            </a:r>
-          </a:p>
-        </p:txBody>
-      </p:sp>
-      <p:sp>
-        <p:nvSpPr>
-          <p:cNvPr id="4" name="CaixaDeTexto 3">
-            <a:extLst>
-              <a:ext uri="{FF2B5EF4-FFF2-40B4-BE49-F238E27FC236}">
-                <a16:creationId xmlns:a16="http://schemas.microsoft.com/office/drawing/2014/main" id="{6694E101-2AE3-7336-1671-AE9691B1F4A4}"/>
+                <a16:creationId xmlns:a16="http://schemas.microsoft.com/office/drawing/2014/main" id="{2B3A65E7-4F59-5AD9-AE72-11328C37FB6F}"/>
               </a:ext>
             </a:extLst>
           </p:cNvPr>
@@ -8448,8 +8944,8 @@
         </p:nvSpPr>
         <p:spPr>
           <a:xfrm>
-            <a:off x="1111348" y="506437"/>
-            <a:ext cx="2532184" cy="584775"/>
+            <a:off x="351690" y="590840"/>
+            <a:ext cx="2461847" cy="553998"/>
           </a:xfrm>
           <a:prstGeom prst="rect">
             <a:avLst/>
@@ -8462,23 +8958,129 @@
           </a:bodyPr>
           <a:lstStyle/>
           <a:p>
-            <a:r>
-              <a:rPr lang="pt-BR" sz="3200" b="1" dirty="0">
-                <a:solidFill>
-                  <a:schemeClr val="accent2">
-                    <a:lumMod val="75000"/>
-                  </a:schemeClr>
-                </a:solidFill>
-              </a:rPr>
-              <a:t>EN</a:t>
-            </a:r>
+            <a:pPr algn="ctr"/>
+            <a:r>
+              <a:rPr lang="pt-BR" sz="3000" b="1" dirty="0">
+                <a:solidFill>
+                  <a:schemeClr val="accent1">
+                    <a:lumMod val="75000"/>
+                  </a:schemeClr>
+                </a:solidFill>
+              </a:rPr>
+              <a:t>OBSERVAÇÃO</a:t>
+            </a:r>
+          </a:p>
+        </p:txBody>
+      </p:sp>
+      <p:sp>
+        <p:nvSpPr>
+          <p:cNvPr id="3" name="Retângulo: Cantos Arredondados 2">
+            <a:extLst>
+              <a:ext uri="{FF2B5EF4-FFF2-40B4-BE49-F238E27FC236}">
+                <a16:creationId xmlns:a16="http://schemas.microsoft.com/office/drawing/2014/main" id="{E8A06973-2F1C-8778-5CE9-DBFF87C340C9}"/>
+              </a:ext>
+            </a:extLst>
+          </p:cNvPr>
+          <p:cNvSpPr/>
+          <p:nvPr/>
+        </p:nvSpPr>
+        <p:spPr>
+          <a:xfrm rot="5400000">
+            <a:off x="-2595491" y="3115996"/>
+            <a:ext cx="5345726" cy="154744"/>
+          </a:xfrm>
+          <a:prstGeom prst="roundRect">
+            <a:avLst/>
+          </a:prstGeom>
+          <a:solidFill>
+            <a:schemeClr val="accent3">
+              <a:lumMod val="60000"/>
+              <a:lumOff val="40000"/>
+            </a:schemeClr>
+          </a:solidFill>
+          <a:ln>
+            <a:noFill/>
+          </a:ln>
+        </p:spPr>
+        <p:style>
+          <a:lnRef idx="2">
+            <a:schemeClr val="accent1">
+              <a:shade val="15000"/>
+            </a:schemeClr>
+          </a:lnRef>
+          <a:fillRef idx="1">
+            <a:schemeClr val="accent1"/>
+          </a:fillRef>
+          <a:effectRef idx="0">
+            <a:schemeClr val="accent1"/>
+          </a:effectRef>
+          <a:fontRef idx="minor">
+            <a:schemeClr val="lt1"/>
+          </a:fontRef>
+        </p:style>
+        <p:txBody>
+          <a:bodyPr rtlCol="0" anchor="ctr"/>
+          <a:lstStyle/>
+          <a:p>
+            <a:pPr algn="ctr"/>
+            <a:endParaRPr lang="pt-BR"/>
+          </a:p>
+        </p:txBody>
+      </p:sp>
+      <p:sp>
+        <p:nvSpPr>
+          <p:cNvPr id="11" name="CaixaDeTexto 10">
+            <a:extLst>
+              <a:ext uri="{FF2B5EF4-FFF2-40B4-BE49-F238E27FC236}">
+                <a16:creationId xmlns:a16="http://schemas.microsoft.com/office/drawing/2014/main" id="{8D548915-AB31-A13C-EFBF-6FC1A38F79C0}"/>
+              </a:ext>
+            </a:extLst>
+          </p:cNvPr>
+          <p:cNvSpPr txBox="1"/>
+          <p:nvPr/>
+        </p:nvSpPr>
+        <p:spPr>
+          <a:xfrm>
+            <a:off x="351691" y="2252452"/>
+            <a:ext cx="10030265" cy="2677656"/>
+          </a:xfrm>
+          <a:prstGeom prst="rect">
+            <a:avLst/>
+          </a:prstGeom>
+          <a:noFill/>
+        </p:spPr>
+        <p:txBody>
+          <a:bodyPr wrap="square" rtlCol="0">
+            <a:spAutoFit/>
+          </a:bodyPr>
+          <a:lstStyle/>
+          <a:p>
+            <a:pPr>
+              <a:buClr>
+                <a:schemeClr val="tx1"/>
+              </a:buClr>
+            </a:pPr>
+            <a:r>
+              <a:rPr lang="pt-BR" sz="2500" b="1" dirty="0">
+                <a:solidFill>
+                  <a:schemeClr val="tx1">
+                    <a:lumMod val="75000"/>
+                    <a:lumOff val="25000"/>
+                  </a:schemeClr>
+                </a:solidFill>
+              </a:rPr>
+              <a:t>A  Apresentação foi focada em explicar mais sobre o Projeto para possíveis Recrutadores e colegas da área da T.I., por isso possui uma quantidade maior de texto e algumas palavras técnicas. A mesma apresentação seria pensada de forma diferente para ser apresentada para as partes interessadas dentro do ambiente empresarial, usando o texto apenas como apoio e pequenas explicações e focando mais na explicação oral.</a:t>
+            </a:r>
+          </a:p>
+          <a:p>
+            <a:endParaRPr lang="pt-BR" dirty="0"/>
           </a:p>
         </p:txBody>
       </p:sp>
     </p:spTree>
     <p:extLst>
       <p:ext uri="{BB962C8B-B14F-4D97-AF65-F5344CB8AC3E}">
-        <p14:creationId xmlns:p14="http://schemas.microsoft.com/office/powerpoint/2010/main" val="3642319022"/>
+        <p14:creationId xmlns:p14="http://schemas.microsoft.com/office/powerpoint/2010/main" val="4157077009"/>
       </p:ext>
     </p:extLst>
   </p:cSld>
@@ -8507,132 +9109,143 @@
       </p:grpSpPr>
       <p:sp>
         <p:nvSpPr>
-          <p:cNvPr id="2" name="CaixaDeTexto 1">
+          <p:cNvPr id="2" name="Título 1">
             <a:extLst>
               <a:ext uri="{FF2B5EF4-FFF2-40B4-BE49-F238E27FC236}">
-                <a16:creationId xmlns:a16="http://schemas.microsoft.com/office/drawing/2014/main" id="{75B2C0FD-522D-A4E9-33A0-12D6718EEB67}"/>
+                <a16:creationId xmlns:a16="http://schemas.microsoft.com/office/drawing/2014/main" id="{05857D45-5CD7-79C3-0770-7781F889117E}"/>
               </a:ext>
             </a:extLst>
           </p:cNvPr>
-          <p:cNvSpPr txBox="1"/>
-          <p:nvPr/>
-        </p:nvSpPr>
-        <p:spPr>
-          <a:xfrm>
-            <a:off x="1273125" y="365759"/>
-            <a:ext cx="9917723" cy="553998"/>
-          </a:xfrm>
-          <a:prstGeom prst="rect">
-            <a:avLst/>
-          </a:prstGeom>
-          <a:noFill/>
-        </p:spPr>
-        <p:txBody>
-          <a:bodyPr wrap="square" rtlCol="0">
-            <a:spAutoFit/>
+          <p:cNvSpPr>
+            <a:spLocks noGrp="1"/>
+          </p:cNvSpPr>
+          <p:nvPr>
+            <p:ph type="ctrTitle"/>
+          </p:nvPr>
+        </p:nvSpPr>
+        <p:spPr>
+          <a:xfrm>
+            <a:off x="928469" y="2537460"/>
+            <a:ext cx="8932984" cy="1783080"/>
+          </a:xfrm>
+        </p:spPr>
+        <p:txBody>
+          <a:bodyPr>
+            <a:normAutofit/>
           </a:bodyPr>
           <a:lstStyle/>
           <a:p>
-            <a:pPr algn="ctr"/>
-            <a:r>
-              <a:rPr lang="pt-BR" sz="3000" b="1" dirty="0">
-                <a:solidFill>
-                  <a:schemeClr val="tx1">
-                    <a:lumMod val="75000"/>
-                    <a:lumOff val="25000"/>
-                  </a:schemeClr>
-                </a:solidFill>
-              </a:rPr>
-              <a:t>TABLE OF CONTENT</a:t>
-            </a:r>
-          </a:p>
-        </p:txBody>
-      </p:sp>
-      <p:sp>
-        <p:nvSpPr>
-          <p:cNvPr id="4" name="Retângulo: Cantos Arredondados 3">
+            <a:r>
+              <a:rPr lang="pt-BR" sz="6000" b="1" dirty="0">
+                <a:solidFill>
+                  <a:schemeClr val="accent1">
+                    <a:lumMod val="75000"/>
+                  </a:schemeClr>
+                </a:solidFill>
+              </a:rPr>
+              <a:t>BITCOIN</a:t>
+            </a:r>
+            <a:r>
+              <a:rPr lang="pt-BR" sz="6000" dirty="0">
+                <a:solidFill>
+                  <a:schemeClr val="accent1">
+                    <a:lumMod val="75000"/>
+                  </a:schemeClr>
+                </a:solidFill>
+              </a:rPr>
+              <a:t>: </a:t>
+            </a:r>
+            <a:r>
+              <a:rPr lang="pt-BR" sz="6000" dirty="0" err="1">
+                <a:solidFill>
+                  <a:schemeClr val="accent1">
+                    <a:lumMod val="75000"/>
+                  </a:schemeClr>
+                </a:solidFill>
+              </a:rPr>
+              <a:t>Closing</a:t>
+            </a:r>
+            <a:r>
+              <a:rPr lang="pt-BR" sz="6000" dirty="0">
+                <a:solidFill>
+                  <a:schemeClr val="accent1">
+                    <a:lumMod val="75000"/>
+                  </a:schemeClr>
+                </a:solidFill>
+              </a:rPr>
+              <a:t> </a:t>
+            </a:r>
+            <a:r>
+              <a:rPr lang="pt-BR" sz="6000" dirty="0" err="1">
+                <a:solidFill>
+                  <a:schemeClr val="accent1">
+                    <a:lumMod val="75000"/>
+                  </a:schemeClr>
+                </a:solidFill>
+              </a:rPr>
+              <a:t>Value</a:t>
+            </a:r>
+            <a:r>
+              <a:rPr lang="pt-BR" sz="6000" dirty="0">
+                <a:solidFill>
+                  <a:schemeClr val="accent1">
+                    <a:lumMod val="75000"/>
+                  </a:schemeClr>
+                </a:solidFill>
+              </a:rPr>
+              <a:t> </a:t>
+            </a:r>
+            <a:r>
+              <a:rPr lang="pt-BR" sz="6000" dirty="0" err="1">
+                <a:solidFill>
+                  <a:schemeClr val="accent1">
+                    <a:lumMod val="75000"/>
+                  </a:schemeClr>
+                </a:solidFill>
+              </a:rPr>
+              <a:t>Analysis</a:t>
+            </a:r>
+            <a:r>
+              <a:rPr lang="pt-BR" sz="6000" dirty="0">
+                <a:solidFill>
+                  <a:schemeClr val="accent1">
+                    <a:lumMod val="75000"/>
+                  </a:schemeClr>
+                </a:solidFill>
+              </a:rPr>
+              <a:t> 2017 - 2022</a:t>
+            </a:r>
+          </a:p>
+        </p:txBody>
+      </p:sp>
+      <p:sp>
+        <p:nvSpPr>
+          <p:cNvPr id="3" name="Subtítulo 2">
             <a:extLst>
               <a:ext uri="{FF2B5EF4-FFF2-40B4-BE49-F238E27FC236}">
-                <a16:creationId xmlns:a16="http://schemas.microsoft.com/office/drawing/2014/main" id="{D493EAE3-AE03-FBAA-937B-39F715ABC509}"/>
+                <a16:creationId xmlns:a16="http://schemas.microsoft.com/office/drawing/2014/main" id="{55AF1A0C-E93F-EEA1-6A64-B186D6A4F1A6}"/>
               </a:ext>
             </a:extLst>
           </p:cNvPr>
-          <p:cNvSpPr/>
-          <p:nvPr/>
-        </p:nvSpPr>
-        <p:spPr>
-          <a:xfrm>
-            <a:off x="3390314" y="0"/>
-            <a:ext cx="5387926" cy="239151"/>
-          </a:xfrm>
-          <a:prstGeom prst="roundRect">
-            <a:avLst/>
-          </a:prstGeom>
-          <a:solidFill>
-            <a:schemeClr val="accent3">
-              <a:lumMod val="60000"/>
-              <a:lumOff val="40000"/>
-            </a:schemeClr>
-          </a:solidFill>
-          <a:ln>
-            <a:noFill/>
-          </a:ln>
-        </p:spPr>
-        <p:style>
-          <a:lnRef idx="2">
-            <a:schemeClr val="accent1">
-              <a:shade val="15000"/>
-            </a:schemeClr>
-          </a:lnRef>
-          <a:fillRef idx="1">
-            <a:schemeClr val="accent1"/>
-          </a:fillRef>
-          <a:effectRef idx="0">
-            <a:schemeClr val="accent1"/>
-          </a:effectRef>
-          <a:fontRef idx="minor">
-            <a:schemeClr val="lt1"/>
-          </a:fontRef>
-        </p:style>
-        <p:txBody>
-          <a:bodyPr rtlCol="0" anchor="ctr"/>
-          <a:lstStyle/>
-          <a:p>
-            <a:pPr algn="ctr"/>
-            <a:endParaRPr lang="pt-BR"/>
-          </a:p>
-        </p:txBody>
-      </p:sp>
-      <p:sp>
-        <p:nvSpPr>
-          <p:cNvPr id="5" name="CaixaDeTexto 4">
-            <a:extLst>
-              <a:ext uri="{FF2B5EF4-FFF2-40B4-BE49-F238E27FC236}">
-                <a16:creationId xmlns:a16="http://schemas.microsoft.com/office/drawing/2014/main" id="{DABADC3B-498C-5604-447C-F37902905468}"/>
-              </a:ext>
-            </a:extLst>
-          </p:cNvPr>
-          <p:cNvSpPr txBox="1"/>
-          <p:nvPr/>
-        </p:nvSpPr>
-        <p:spPr>
-          <a:xfrm>
-            <a:off x="1137138" y="2377441"/>
-            <a:ext cx="9917723" cy="2400657"/>
-          </a:xfrm>
-          <a:prstGeom prst="rect">
-            <a:avLst/>
-          </a:prstGeom>
-          <a:noFill/>
-        </p:spPr>
-        <p:txBody>
-          <a:bodyPr wrap="square" rtlCol="0">
-            <a:spAutoFit/>
-          </a:bodyPr>
-          <a:lstStyle/>
-          <a:p>
-            <a:r>
-              <a:rPr lang="pt-BR" sz="3000" b="1" dirty="0">
+          <p:cNvSpPr>
+            <a:spLocks noGrp="1"/>
+          </p:cNvSpPr>
+          <p:nvPr>
+            <p:ph type="subTitle" idx="1"/>
+          </p:nvPr>
+        </p:nvSpPr>
+        <p:spPr>
+          <a:xfrm>
+            <a:off x="928469" y="4525640"/>
+            <a:ext cx="10058400" cy="1143000"/>
+          </a:xfrm>
+        </p:spPr>
+        <p:txBody>
+          <a:bodyPr/>
+          <a:lstStyle/>
+          <a:p>
+            <a:r>
+              <a:rPr lang="pt-BR" b="1" dirty="0">
                 <a:solidFill>
                   <a:schemeClr val="tx1">
                     <a:lumMod val="75000"/>
@@ -8640,10 +9253,10 @@
                   </a:schemeClr>
                 </a:solidFill>
               </a:rPr>
-              <a:t>BITCOIN: </a:t>
-            </a:r>
-            <a:r>
-              <a:rPr lang="pt-BR" sz="3000" b="1" dirty="0" err="1">
+              <a:t>PRESENTED BY</a:t>
+            </a:r>
+            <a:r>
+              <a:rPr lang="pt-BR" dirty="0">
                 <a:solidFill>
                   <a:schemeClr val="tx1">
                     <a:lumMod val="75000"/>
@@ -8651,10 +9264,10 @@
                   </a:schemeClr>
                 </a:solidFill>
               </a:rPr>
-              <a:t>Closing</a:t>
-            </a:r>
-            <a:r>
-              <a:rPr lang="pt-BR" sz="3000" b="1" dirty="0">
+              <a:t>: Riquelmo </a:t>
+            </a:r>
+            <a:r>
+              <a:rPr lang="pt-BR" dirty="0" err="1">
                 <a:solidFill>
                   <a:schemeClr val="tx1">
                     <a:lumMod val="75000"/>
@@ -8662,55 +9275,9 @@
                   </a:schemeClr>
                 </a:solidFill>
               </a:rPr>
-              <a:t> </a:t>
-            </a:r>
-            <a:r>
-              <a:rPr lang="pt-BR" sz="3000" b="1" dirty="0" err="1">
-                <a:solidFill>
-                  <a:schemeClr val="tx1">
-                    <a:lumMod val="75000"/>
-                    <a:lumOff val="25000"/>
-                  </a:schemeClr>
-                </a:solidFill>
-              </a:rPr>
-              <a:t>Value</a:t>
-            </a:r>
-            <a:r>
-              <a:rPr lang="pt-BR" sz="3000" b="1" dirty="0">
-                <a:solidFill>
-                  <a:schemeClr val="tx1">
-                    <a:lumMod val="75000"/>
-                    <a:lumOff val="25000"/>
-                  </a:schemeClr>
-                </a:solidFill>
-              </a:rPr>
-              <a:t> </a:t>
-            </a:r>
-            <a:r>
-              <a:rPr lang="pt-BR" sz="3000" b="1" dirty="0" err="1">
-                <a:solidFill>
-                  <a:schemeClr val="tx1">
-                    <a:lumMod val="75000"/>
-                    <a:lumOff val="25000"/>
-                  </a:schemeClr>
-                </a:solidFill>
-              </a:rPr>
-              <a:t>Analysis</a:t>
-            </a:r>
-            <a:r>
-              <a:rPr lang="pt-BR" sz="3000" b="1" dirty="0">
-                <a:solidFill>
-                  <a:schemeClr val="tx1">
-                    <a:lumMod val="75000"/>
-                    <a:lumOff val="25000"/>
-                  </a:schemeClr>
-                </a:solidFill>
-              </a:rPr>
-              <a:t> 2017 – 2022</a:t>
-            </a:r>
-          </a:p>
-          <a:p>
-            <a:endParaRPr lang="pt-BR" sz="2000" b="1" dirty="0">
+              <a:t>ferreira</a:t>
+            </a:r>
+            <a:endParaRPr lang="pt-BR" dirty="0">
               <a:solidFill>
                 <a:schemeClr val="tx1">
                   <a:lumMod val="75000"/>
@@ -8720,245 +9287,98 @@
             </a:endParaRPr>
           </a:p>
           <a:p>
-            <a:pPr marL="342900" indent="-342900">
-              <a:buClr>
-                <a:schemeClr val="tx1"/>
-              </a:buClr>
-              <a:buFont typeface="Wingdings" panose="05000000000000000000" pitchFamily="2" charset="2"/>
-              <a:buChar char="Ø"/>
-            </a:pPr>
-            <a:r>
-              <a:rPr lang="pt-BR" sz="2500" b="1" dirty="0" err="1">
+            <a:r>
+              <a:rPr lang="pt-BR" b="1" dirty="0">
+                <a:solidFill>
+                  <a:schemeClr val="tx1">
+                    <a:lumMod val="75000"/>
+                    <a:lumOff val="25000"/>
+                  </a:schemeClr>
+                </a:solidFill>
+              </a:rPr>
+              <a:t>LAST UPDATED</a:t>
+            </a:r>
+            <a:r>
+              <a:rPr lang="pt-BR" dirty="0">
+                <a:solidFill>
+                  <a:schemeClr val="tx1">
+                    <a:lumMod val="75000"/>
+                    <a:lumOff val="25000"/>
+                  </a:schemeClr>
+                </a:solidFill>
+              </a:rPr>
+              <a:t>: </a:t>
+            </a:r>
+            <a:r>
+              <a:rPr lang="pt-BR" dirty="0" err="1">
+                <a:solidFill>
+                  <a:schemeClr val="tx1">
+                    <a:lumMod val="75000"/>
+                    <a:lumOff val="25000"/>
+                  </a:schemeClr>
+                </a:solidFill>
+              </a:rPr>
+              <a:t>October</a:t>
+            </a:r>
+            <a:r>
+              <a:rPr lang="pt-BR" dirty="0">
+                <a:solidFill>
+                  <a:schemeClr val="tx1">
+                    <a:lumMod val="75000"/>
+                    <a:lumOff val="25000"/>
+                  </a:schemeClr>
+                </a:solidFill>
+              </a:rPr>
+              <a:t> 22nd, 2023</a:t>
+            </a:r>
+          </a:p>
+        </p:txBody>
+      </p:sp>
+      <p:sp>
+        <p:nvSpPr>
+          <p:cNvPr id="4" name="CaixaDeTexto 3">
+            <a:extLst>
+              <a:ext uri="{FF2B5EF4-FFF2-40B4-BE49-F238E27FC236}">
+                <a16:creationId xmlns:a16="http://schemas.microsoft.com/office/drawing/2014/main" id="{6694E101-2AE3-7336-1671-AE9691B1F4A4}"/>
+              </a:ext>
+            </a:extLst>
+          </p:cNvPr>
+          <p:cNvSpPr txBox="1"/>
+          <p:nvPr/>
+        </p:nvSpPr>
+        <p:spPr>
+          <a:xfrm>
+            <a:off x="1111348" y="506437"/>
+            <a:ext cx="2532184" cy="584775"/>
+          </a:xfrm>
+          <a:prstGeom prst="rect">
+            <a:avLst/>
+          </a:prstGeom>
+          <a:noFill/>
+        </p:spPr>
+        <p:txBody>
+          <a:bodyPr wrap="square" rtlCol="0">
+            <a:spAutoFit/>
+          </a:bodyPr>
+          <a:lstStyle/>
+          <a:p>
+            <a:r>
+              <a:rPr lang="pt-BR" sz="3200" b="1" dirty="0">
                 <a:solidFill>
                   <a:schemeClr val="accent2">
                     <a:lumMod val="75000"/>
                   </a:schemeClr>
                 </a:solidFill>
-                <a:hlinkClick r:id="rId2" action="ppaction://hlinksldjump">
-                  <a:extLst>
-                    <a:ext uri="{A12FA001-AC4F-418D-AE19-62706E023703}">
-                      <ahyp:hlinkClr xmlns:ahyp="http://schemas.microsoft.com/office/drawing/2018/hyperlinkcolor" val="tx"/>
-                    </a:ext>
-                  </a:extLst>
-                </a:hlinkClick>
-              </a:rPr>
-              <a:t>Objective</a:t>
-            </a:r>
-            <a:endParaRPr lang="pt-BR" sz="2500" b="1" dirty="0">
-              <a:solidFill>
-                <a:schemeClr val="accent2">
-                  <a:lumMod val="75000"/>
-                </a:schemeClr>
-              </a:solidFill>
-            </a:endParaRPr>
-          </a:p>
-          <a:p>
-            <a:pPr marL="342900" indent="-342900">
-              <a:buClr>
-                <a:schemeClr val="tx1"/>
-              </a:buClr>
-              <a:buFont typeface="Wingdings" panose="05000000000000000000" pitchFamily="2" charset="2"/>
-              <a:buChar char="Ø"/>
-            </a:pPr>
-            <a:r>
-              <a:rPr lang="pt-BR" sz="2500" b="1" dirty="0" err="1">
-                <a:solidFill>
-                  <a:schemeClr val="accent2">
-                    <a:lumMod val="75000"/>
-                  </a:schemeClr>
-                </a:solidFill>
-                <a:hlinkClick r:id="rId3" action="ppaction://hlinksldjump">
-                  <a:extLst>
-                    <a:ext uri="{A12FA001-AC4F-418D-AE19-62706E023703}">
-                      <ahyp:hlinkClr xmlns:ahyp="http://schemas.microsoft.com/office/drawing/2018/hyperlinkcolor" val="tx"/>
-                    </a:ext>
-                  </a:extLst>
-                </a:hlinkClick>
-              </a:rPr>
-              <a:t>Line</a:t>
-            </a:r>
-            <a:r>
-              <a:rPr lang="pt-BR" sz="2500" b="1" dirty="0">
-                <a:solidFill>
-                  <a:schemeClr val="accent2">
-                    <a:lumMod val="75000"/>
-                  </a:schemeClr>
-                </a:solidFill>
-                <a:hlinkClick r:id="rId3" action="ppaction://hlinksldjump">
-                  <a:extLst>
-                    <a:ext uri="{A12FA001-AC4F-418D-AE19-62706E023703}">
-                      <ahyp:hlinkClr xmlns:ahyp="http://schemas.microsoft.com/office/drawing/2018/hyperlinkcolor" val="tx"/>
-                    </a:ext>
-                  </a:extLst>
-                </a:hlinkClick>
-              </a:rPr>
-              <a:t> Chart</a:t>
-            </a:r>
-            <a:endParaRPr lang="pt-BR" sz="2500" b="1" dirty="0">
-              <a:solidFill>
-                <a:schemeClr val="accent2">
-                  <a:lumMod val="75000"/>
-                </a:schemeClr>
-              </a:solidFill>
-            </a:endParaRPr>
-          </a:p>
-          <a:p>
-            <a:pPr marL="342900" indent="-342900">
-              <a:buClr>
-                <a:schemeClr val="tx1"/>
-              </a:buClr>
-              <a:buFont typeface="Wingdings" panose="05000000000000000000" pitchFamily="2" charset="2"/>
-              <a:buChar char="Ø"/>
-            </a:pPr>
-            <a:r>
-              <a:rPr lang="pt-BR" sz="2500" b="1" dirty="0">
-                <a:solidFill>
-                  <a:schemeClr val="accent2">
-                    <a:lumMod val="75000"/>
-                  </a:schemeClr>
-                </a:solidFill>
-                <a:hlinkClick r:id="rId4" action="ppaction://hlinksldjump">
-                  <a:extLst>
-                    <a:ext uri="{A12FA001-AC4F-418D-AE19-62706E023703}">
-                      <ahyp:hlinkClr xmlns:ahyp="http://schemas.microsoft.com/office/drawing/2018/hyperlinkcolor" val="tx"/>
-                    </a:ext>
-                  </a:extLst>
-                </a:hlinkClick>
-              </a:rPr>
-              <a:t>Moving </a:t>
-            </a:r>
-            <a:r>
-              <a:rPr lang="pt-BR" sz="2500" b="1" dirty="0" err="1">
-                <a:solidFill>
-                  <a:schemeClr val="accent2">
-                    <a:lumMod val="75000"/>
-                  </a:schemeClr>
-                </a:solidFill>
-                <a:hlinkClick r:id="rId4" action="ppaction://hlinksldjump">
-                  <a:extLst>
-                    <a:ext uri="{A12FA001-AC4F-418D-AE19-62706E023703}">
-                      <ahyp:hlinkClr xmlns:ahyp="http://schemas.microsoft.com/office/drawing/2018/hyperlinkcolor" val="tx"/>
-                    </a:ext>
-                  </a:extLst>
-                </a:hlinkClick>
-              </a:rPr>
-              <a:t>Average</a:t>
-            </a:r>
-            <a:r>
-              <a:rPr lang="pt-BR" sz="2500" b="1" dirty="0">
-                <a:solidFill>
-                  <a:schemeClr val="accent2">
-                    <a:lumMod val="75000"/>
-                  </a:schemeClr>
-                </a:solidFill>
-                <a:hlinkClick r:id="rId4" action="ppaction://hlinksldjump">
-                  <a:extLst>
-                    <a:ext uri="{A12FA001-AC4F-418D-AE19-62706E023703}">
-                      <ahyp:hlinkClr xmlns:ahyp="http://schemas.microsoft.com/office/drawing/2018/hyperlinkcolor" val="tx"/>
-                    </a:ext>
-                  </a:extLst>
-                </a:hlinkClick>
-              </a:rPr>
-              <a:t> </a:t>
-            </a:r>
-            <a:r>
-              <a:rPr lang="pt-BR" sz="2500" b="1" dirty="0" err="1">
-                <a:solidFill>
-                  <a:schemeClr val="accent2">
-                    <a:lumMod val="75000"/>
-                  </a:schemeClr>
-                </a:solidFill>
-                <a:hlinkClick r:id="rId4" action="ppaction://hlinksldjump">
-                  <a:extLst>
-                    <a:ext uri="{A12FA001-AC4F-418D-AE19-62706E023703}">
-                      <ahyp:hlinkClr xmlns:ahyp="http://schemas.microsoft.com/office/drawing/2018/hyperlinkcolor" val="tx"/>
-                    </a:ext>
-                  </a:extLst>
-                </a:hlinkClick>
-              </a:rPr>
-              <a:t>and</a:t>
-            </a:r>
-            <a:r>
-              <a:rPr lang="pt-BR" sz="2500" b="1" dirty="0">
-                <a:solidFill>
-                  <a:schemeClr val="accent2">
-                    <a:lumMod val="75000"/>
-                  </a:schemeClr>
-                </a:solidFill>
-                <a:hlinkClick r:id="rId4" action="ppaction://hlinksldjump">
-                  <a:extLst>
-                    <a:ext uri="{A12FA001-AC4F-418D-AE19-62706E023703}">
-                      <ahyp:hlinkClr xmlns:ahyp="http://schemas.microsoft.com/office/drawing/2018/hyperlinkcolor" val="tx"/>
-                    </a:ext>
-                  </a:extLst>
-                </a:hlinkClick>
-              </a:rPr>
-              <a:t> </a:t>
-            </a:r>
-            <a:r>
-              <a:rPr lang="pt-BR" sz="2500" b="1" dirty="0" err="1">
-                <a:solidFill>
-                  <a:schemeClr val="accent2">
-                    <a:lumMod val="75000"/>
-                  </a:schemeClr>
-                </a:solidFill>
-                <a:hlinkClick r:id="rId4" action="ppaction://hlinksldjump">
-                  <a:extLst>
-                    <a:ext uri="{A12FA001-AC4F-418D-AE19-62706E023703}">
-                      <ahyp:hlinkClr xmlns:ahyp="http://schemas.microsoft.com/office/drawing/2018/hyperlinkcolor" val="tx"/>
-                    </a:ext>
-                  </a:extLst>
-                </a:hlinkClick>
-              </a:rPr>
-              <a:t>Tendecy</a:t>
-            </a:r>
-            <a:endParaRPr lang="pt-BR" sz="2500" b="1" dirty="0">
-              <a:solidFill>
-                <a:schemeClr val="accent2">
-                  <a:lumMod val="75000"/>
-                </a:schemeClr>
-              </a:solidFill>
-            </a:endParaRPr>
-          </a:p>
-          <a:p>
-            <a:pPr marL="342900" indent="-342900">
-              <a:buClr>
-                <a:schemeClr val="tx1"/>
-              </a:buClr>
-              <a:buFont typeface="Wingdings" panose="05000000000000000000" pitchFamily="2" charset="2"/>
-              <a:buChar char="Ø"/>
-            </a:pPr>
-            <a:r>
-              <a:rPr lang="pt-BR" sz="2500" b="1" dirty="0" err="1">
-                <a:solidFill>
-                  <a:schemeClr val="accent2">
-                    <a:lumMod val="75000"/>
-                  </a:schemeClr>
-                </a:solidFill>
-                <a:hlinkClick r:id="rId5" action="ppaction://hlinksldjump">
-                  <a:extLst>
-                    <a:ext uri="{A12FA001-AC4F-418D-AE19-62706E023703}">
-                      <ahyp:hlinkClr xmlns:ahyp="http://schemas.microsoft.com/office/drawing/2018/hyperlinkcolor" val="tx"/>
-                    </a:ext>
-                  </a:extLst>
-                </a:hlinkClick>
-              </a:rPr>
-              <a:t>Conclusion</a:t>
-            </a:r>
-            <a:endParaRPr lang="pt-BR" sz="2500" b="1" dirty="0">
-              <a:solidFill>
-                <a:schemeClr val="accent2">
-                  <a:lumMod val="75000"/>
-                </a:schemeClr>
-              </a:solidFill>
-            </a:endParaRPr>
+              </a:rPr>
+              <a:t>EN</a:t>
+            </a:r>
           </a:p>
         </p:txBody>
       </p:sp>
     </p:spTree>
     <p:extLst>
       <p:ext uri="{BB962C8B-B14F-4D97-AF65-F5344CB8AC3E}">
-        <p14:creationId xmlns:p14="http://schemas.microsoft.com/office/powerpoint/2010/main" val="3807428423"/>
+        <p14:creationId xmlns:p14="http://schemas.microsoft.com/office/powerpoint/2010/main" val="3642319022"/>
       </p:ext>
     </p:extLst>
   </p:cSld>

--- a/Apresentacao-Presentation.pptx
+++ b/Apresentacao-Presentation.pptx
@@ -353,7 +353,7 @@
           <a:p>
             <a:fld id="{05777D47-E1FD-4B20-845A-7930E08D57BF}" type="datetimeFigureOut">
               <a:rPr lang="pt-BR" smtClean="0"/>
-              <a:t>24/10/2023</a:t>
+              <a:t>27/10/2023</a:t>
             </a:fld>
             <a:endParaRPr lang="pt-BR"/>
           </a:p>
@@ -561,7 +561,7 @@
           <a:p>
             <a:fld id="{05777D47-E1FD-4B20-845A-7930E08D57BF}" type="datetimeFigureOut">
               <a:rPr lang="pt-BR" smtClean="0"/>
-              <a:t>24/10/2023</a:t>
+              <a:t>27/10/2023</a:t>
             </a:fld>
             <a:endParaRPr lang="pt-BR"/>
           </a:p>
@@ -817,7 +817,7 @@
           <a:p>
             <a:fld id="{05777D47-E1FD-4B20-845A-7930E08D57BF}" type="datetimeFigureOut">
               <a:rPr lang="pt-BR" smtClean="0"/>
-              <a:t>24/10/2023</a:t>
+              <a:t>27/10/2023</a:t>
             </a:fld>
             <a:endParaRPr lang="pt-BR"/>
           </a:p>
@@ -987,7 +987,7 @@
           <a:p>
             <a:fld id="{05777D47-E1FD-4B20-845A-7930E08D57BF}" type="datetimeFigureOut">
               <a:rPr lang="pt-BR" smtClean="0"/>
-              <a:t>24/10/2023</a:t>
+              <a:t>27/10/2023</a:t>
             </a:fld>
             <a:endParaRPr lang="pt-BR"/>
           </a:p>
@@ -1330,7 +1330,7 @@
           <a:p>
             <a:fld id="{05777D47-E1FD-4B20-845A-7930E08D57BF}" type="datetimeFigureOut">
               <a:rPr lang="pt-BR" smtClean="0"/>
-              <a:t>24/10/2023</a:t>
+              <a:t>27/10/2023</a:t>
             </a:fld>
             <a:endParaRPr lang="pt-BR"/>
           </a:p>
@@ -1605,7 +1605,7 @@
           <a:p>
             <a:fld id="{05777D47-E1FD-4B20-845A-7930E08D57BF}" type="datetimeFigureOut">
               <a:rPr lang="pt-BR" smtClean="0"/>
-              <a:t>24/10/2023</a:t>
+              <a:t>27/10/2023</a:t>
             </a:fld>
             <a:endParaRPr lang="pt-BR"/>
           </a:p>
@@ -1984,7 +1984,7 @@
           <a:p>
             <a:fld id="{05777D47-E1FD-4B20-845A-7930E08D57BF}" type="datetimeFigureOut">
               <a:rPr lang="pt-BR" smtClean="0"/>
-              <a:t>24/10/2023</a:t>
+              <a:t>27/10/2023</a:t>
             </a:fld>
             <a:endParaRPr lang="pt-BR"/>
           </a:p>
@@ -2102,7 +2102,7 @@
           <a:p>
             <a:fld id="{05777D47-E1FD-4B20-845A-7930E08D57BF}" type="datetimeFigureOut">
               <a:rPr lang="pt-BR" smtClean="0"/>
-              <a:t>24/10/2023</a:t>
+              <a:t>27/10/2023</a:t>
             </a:fld>
             <a:endParaRPr lang="pt-BR"/>
           </a:p>
@@ -2273,7 +2273,7 @@
           <a:p>
             <a:fld id="{05777D47-E1FD-4B20-845A-7930E08D57BF}" type="datetimeFigureOut">
               <a:rPr lang="pt-BR" smtClean="0"/>
-              <a:t>24/10/2023</a:t>
+              <a:t>27/10/2023</a:t>
             </a:fld>
             <a:endParaRPr lang="pt-BR"/>
           </a:p>
@@ -2627,7 +2627,7 @@
           <a:p>
             <a:fld id="{05777D47-E1FD-4B20-845A-7930E08D57BF}" type="datetimeFigureOut">
               <a:rPr lang="pt-BR" smtClean="0"/>
-              <a:t>24/10/2023</a:t>
+              <a:t>27/10/2023</a:t>
             </a:fld>
             <a:endParaRPr lang="pt-BR"/>
           </a:p>
@@ -3004,7 +3004,7 @@
           <a:p>
             <a:fld id="{05777D47-E1FD-4B20-845A-7930E08D57BF}" type="datetimeFigureOut">
               <a:rPr lang="pt-BR" smtClean="0"/>
-              <a:t>24/10/2023</a:t>
+              <a:t>27/10/2023</a:t>
             </a:fld>
             <a:endParaRPr lang="pt-BR"/>
           </a:p>
@@ -3291,7 +3291,7 @@
           <a:p>
             <a:fld id="{05777D47-E1FD-4B20-845A-7930E08D57BF}" type="datetimeFigureOut">
               <a:rPr lang="pt-BR" smtClean="0"/>
-              <a:t>24/10/2023</a:t>
+              <a:t>27/10/2023</a:t>
             </a:fld>
             <a:endParaRPr lang="pt-BR"/>
           </a:p>
@@ -4013,7 +4013,7 @@
             <a:r>
               <a:rPr lang="pt-BR" sz="3200" b="1" dirty="0">
                 <a:solidFill>
-                  <a:schemeClr val="accent2">
+                  <a:schemeClr val="accent1">
                     <a:lumMod val="75000"/>
                   </a:schemeClr>
                 </a:solidFill>
@@ -4278,7 +4278,7 @@
             <a:r>
               <a:rPr lang="pt-BR" sz="2500" b="1" dirty="0" err="1">
                 <a:solidFill>
-                  <a:schemeClr val="accent2">
+                  <a:schemeClr val="accent1">
                     <a:lumMod val="75000"/>
                   </a:schemeClr>
                 </a:solidFill>
@@ -4294,7 +4294,7 @@
             </a:r>
             <a:endParaRPr lang="pt-BR" sz="2500" b="1" dirty="0">
               <a:solidFill>
-                <a:schemeClr val="accent2">
+                <a:schemeClr val="accent1">
                   <a:lumMod val="75000"/>
                 </a:schemeClr>
               </a:solidFill>
@@ -4311,7 +4311,7 @@
             <a:r>
               <a:rPr lang="pt-BR" sz="2500" b="1" dirty="0" err="1">
                 <a:solidFill>
-                  <a:schemeClr val="accent2">
+                  <a:schemeClr val="accent1">
                     <a:lumMod val="75000"/>
                   </a:schemeClr>
                 </a:solidFill>
@@ -4328,7 +4328,7 @@
             <a:r>
               <a:rPr lang="pt-BR" sz="2500" b="1" dirty="0">
                 <a:solidFill>
-                  <a:schemeClr val="accent2">
+                  <a:schemeClr val="accent1">
                     <a:lumMod val="75000"/>
                   </a:schemeClr>
                 </a:solidFill>
@@ -4344,7 +4344,7 @@
             </a:r>
             <a:endParaRPr lang="pt-BR" sz="2500" b="1" dirty="0">
               <a:solidFill>
-                <a:schemeClr val="accent2">
+                <a:schemeClr val="accent1">
                   <a:lumMod val="75000"/>
                 </a:schemeClr>
               </a:solidFill>
@@ -4361,7 +4361,7 @@
             <a:r>
               <a:rPr lang="pt-BR" sz="2500" b="1" dirty="0">
                 <a:solidFill>
-                  <a:schemeClr val="accent2">
+                  <a:schemeClr val="accent1">
                     <a:lumMod val="75000"/>
                   </a:schemeClr>
                 </a:solidFill>
@@ -4378,7 +4378,7 @@
             <a:r>
               <a:rPr lang="pt-BR" sz="2500" b="1" dirty="0" err="1">
                 <a:solidFill>
-                  <a:schemeClr val="accent2">
+                  <a:schemeClr val="accent1">
                     <a:lumMod val="75000"/>
                   </a:schemeClr>
                 </a:solidFill>
@@ -4395,7 +4395,7 @@
             <a:r>
               <a:rPr lang="pt-BR" sz="2500" b="1" dirty="0">
                 <a:solidFill>
-                  <a:schemeClr val="accent2">
+                  <a:schemeClr val="accent1">
                     <a:lumMod val="75000"/>
                   </a:schemeClr>
                 </a:solidFill>
@@ -4412,7 +4412,7 @@
             <a:r>
               <a:rPr lang="pt-BR" sz="2500" b="1" dirty="0" err="1">
                 <a:solidFill>
-                  <a:schemeClr val="accent2">
+                  <a:schemeClr val="accent1">
                     <a:lumMod val="75000"/>
                   </a:schemeClr>
                 </a:solidFill>
@@ -4429,7 +4429,7 @@
             <a:r>
               <a:rPr lang="pt-BR" sz="2500" b="1" dirty="0">
                 <a:solidFill>
-                  <a:schemeClr val="accent2">
+                  <a:schemeClr val="accent1">
                     <a:lumMod val="75000"/>
                   </a:schemeClr>
                 </a:solidFill>
@@ -4446,7 +4446,7 @@
             <a:r>
               <a:rPr lang="pt-BR" sz="2500" b="1" dirty="0" err="1">
                 <a:solidFill>
-                  <a:schemeClr val="accent2">
+                  <a:schemeClr val="accent1">
                     <a:lumMod val="75000"/>
                   </a:schemeClr>
                 </a:solidFill>
@@ -4462,7 +4462,7 @@
             </a:r>
             <a:endParaRPr lang="pt-BR" sz="2500" b="1" dirty="0">
               <a:solidFill>
-                <a:schemeClr val="accent2">
+                <a:schemeClr val="accent1">
                   <a:lumMod val="75000"/>
                 </a:schemeClr>
               </a:solidFill>
@@ -4479,7 +4479,7 @@
             <a:r>
               <a:rPr lang="pt-BR" sz="2500" b="1" dirty="0" err="1">
                 <a:solidFill>
-                  <a:schemeClr val="accent2">
+                  <a:schemeClr val="accent1">
                     <a:lumMod val="75000"/>
                   </a:schemeClr>
                 </a:solidFill>
@@ -4495,7 +4495,7 @@
             </a:r>
             <a:endParaRPr lang="pt-BR" sz="2500" b="1" dirty="0">
               <a:solidFill>
-                <a:schemeClr val="accent2">
+                <a:schemeClr val="accent1">
                   <a:lumMod val="75000"/>
                 </a:schemeClr>
               </a:solidFill>
@@ -4510,7 +4510,7 @@
               <a:buChar char="Ø"/>
             </a:pPr>
             <a:r>
-              <a:rPr lang="pt-BR" sz="2500" b="1" dirty="0" err="1">
+              <a:rPr lang="pt-BR" sz="2500" b="1" dirty="0">
                 <a:solidFill>
                   <a:schemeClr val="accent1">
                     <a:lumMod val="75000"/>
@@ -4524,7 +4524,7 @@
                   </a:extLst>
                 </a:hlinkClick>
               </a:rPr>
-              <a:t>Observation</a:t>
+              <a:t>Note</a:t>
             </a:r>
             <a:endParaRPr lang="pt-BR" sz="2500" b="1" dirty="0">
               <a:solidFill>
@@ -6515,7 +6515,7 @@
         </p:nvSpPr>
         <p:spPr>
           <a:xfrm>
-            <a:off x="351690" y="590840"/>
+            <a:off x="-323560" y="520505"/>
             <a:ext cx="2504051" cy="553998"/>
           </a:xfrm>
           <a:prstGeom prst="rect">
@@ -6538,7 +6538,7 @@
                   </a:schemeClr>
                 </a:solidFill>
               </a:rPr>
-              <a:t>OBSERVATION</a:t>
+              <a:t>NOTE</a:t>
             </a:r>
           </a:p>
         </p:txBody>
@@ -6835,7 +6835,7 @@
             <a:r>
               <a:rPr lang="pt-BR" sz="2500" b="1" dirty="0">
                 <a:solidFill>
-                  <a:schemeClr val="accent2">
+                  <a:schemeClr val="accent1">
                     <a:lumMod val="75000"/>
                   </a:schemeClr>
                 </a:solidFill>
@@ -6851,7 +6851,7 @@
             </a:r>
             <a:endParaRPr lang="pt-BR" sz="2500" b="1" dirty="0">
               <a:solidFill>
-                <a:schemeClr val="accent2">
+                <a:schemeClr val="accent1">
                   <a:lumMod val="75000"/>
                 </a:schemeClr>
               </a:solidFill>
@@ -6868,7 +6868,7 @@
             <a:r>
               <a:rPr lang="pt-BR" sz="2500" b="1" dirty="0">
                 <a:solidFill>
-                  <a:schemeClr val="accent2">
+                  <a:schemeClr val="accent1">
                     <a:lumMod val="75000"/>
                   </a:schemeClr>
                 </a:solidFill>
@@ -6884,7 +6884,7 @@
             </a:r>
             <a:endParaRPr lang="pt-BR" sz="2500" b="1" dirty="0">
               <a:solidFill>
-                <a:schemeClr val="accent2">
+                <a:schemeClr val="accent1">
                   <a:lumMod val="75000"/>
                 </a:schemeClr>
               </a:solidFill>
@@ -6901,7 +6901,7 @@
             <a:r>
               <a:rPr lang="pt-BR" sz="2500" b="1" dirty="0">
                 <a:solidFill>
-                  <a:schemeClr val="accent2">
+                  <a:schemeClr val="accent1">
                     <a:lumMod val="75000"/>
                   </a:schemeClr>
                 </a:solidFill>
@@ -6917,7 +6917,7 @@
             </a:r>
             <a:endParaRPr lang="pt-BR" sz="2500" b="1" dirty="0">
               <a:solidFill>
-                <a:schemeClr val="accent2">
+                <a:schemeClr val="accent1">
                   <a:lumMod val="75000"/>
                 </a:schemeClr>
               </a:solidFill>
@@ -6934,7 +6934,7 @@
             <a:r>
               <a:rPr lang="pt-BR" sz="2500" b="1" dirty="0">
                 <a:solidFill>
-                  <a:schemeClr val="accent2">
+                  <a:schemeClr val="accent1">
                     <a:lumMod val="75000"/>
                   </a:schemeClr>
                 </a:solidFill>
@@ -6950,7 +6950,7 @@
             </a:r>
             <a:endParaRPr lang="pt-BR" sz="2500" b="1" dirty="0">
               <a:solidFill>
-                <a:schemeClr val="accent2">
+                <a:schemeClr val="accent1">
                   <a:lumMod val="75000"/>
                 </a:schemeClr>
               </a:solidFill>
@@ -9348,7 +9348,7 @@
         </p:nvSpPr>
         <p:spPr>
           <a:xfrm>
-            <a:off x="1111348" y="506437"/>
+            <a:off x="928469" y="604585"/>
             <a:ext cx="2532184" cy="584775"/>
           </a:xfrm>
           <a:prstGeom prst="rect">
@@ -9365,7 +9365,7 @@
             <a:r>
               <a:rPr lang="pt-BR" sz="3200" b="1" dirty="0">
                 <a:solidFill>
-                  <a:schemeClr val="accent2">
+                  <a:schemeClr val="accent1">
                     <a:lumMod val="75000"/>
                   </a:schemeClr>
                 </a:solidFill>
